--- a/data/pretraining.pptx
+++ b/data/pretraining.pptx
@@ -5,44 +5,44 @@
     <p:sldMasterId id="2147483648" r:id="rId1"/>
   </p:sldMasterIdLst>
   <p:notesMasterIdLst>
-    <p:notesMasterId r:id="rId4"/>
+    <p:notesMasterId r:id="rId32"/>
   </p:notesMasterIdLst>
   <p:sldIdLst>
-    <p:sldId id="257" r:id="rId3"/>
-    <p:sldId id="268" r:id="rId5"/>
-    <p:sldId id="269" r:id="rId6"/>
-    <p:sldId id="271" r:id="rId7"/>
-    <p:sldId id="273" r:id="rId8"/>
-    <p:sldId id="274" r:id="rId9"/>
-    <p:sldId id="275" r:id="rId10"/>
-    <p:sldId id="276" r:id="rId11"/>
-    <p:sldId id="277" r:id="rId12"/>
-    <p:sldId id="278" r:id="rId13"/>
-    <p:sldId id="280" r:id="rId14"/>
-    <p:sldId id="281" r:id="rId15"/>
-    <p:sldId id="282" r:id="rId16"/>
-    <p:sldId id="283" r:id="rId17"/>
-    <p:sldId id="284" r:id="rId18"/>
-    <p:sldId id="285" r:id="rId19"/>
-    <p:sldId id="286" r:id="rId20"/>
-    <p:sldId id="287" r:id="rId21"/>
-    <p:sldId id="288" r:id="rId22"/>
-    <p:sldId id="290" r:id="rId23"/>
-    <p:sldId id="291" r:id="rId24"/>
-    <p:sldId id="294" r:id="rId25"/>
-    <p:sldId id="292" r:id="rId26"/>
-    <p:sldId id="295" r:id="rId27"/>
-    <p:sldId id="297" r:id="rId28"/>
-    <p:sldId id="289" r:id="rId29"/>
-    <p:sldId id="296" r:id="rId30"/>
-    <p:sldId id="299" r:id="rId31"/>
-    <p:sldId id="298" r:id="rId32"/>
-    <p:sldId id="267" r:id="rId33"/>
+    <p:sldId id="257" r:id="rId2"/>
+    <p:sldId id="268" r:id="rId3"/>
+    <p:sldId id="269" r:id="rId4"/>
+    <p:sldId id="271" r:id="rId5"/>
+    <p:sldId id="273" r:id="rId6"/>
+    <p:sldId id="274" r:id="rId7"/>
+    <p:sldId id="275" r:id="rId8"/>
+    <p:sldId id="276" r:id="rId9"/>
+    <p:sldId id="277" r:id="rId10"/>
+    <p:sldId id="278" r:id="rId11"/>
+    <p:sldId id="280" r:id="rId12"/>
+    <p:sldId id="281" r:id="rId13"/>
+    <p:sldId id="282" r:id="rId14"/>
+    <p:sldId id="283" r:id="rId15"/>
+    <p:sldId id="284" r:id="rId16"/>
+    <p:sldId id="285" r:id="rId17"/>
+    <p:sldId id="286" r:id="rId18"/>
+    <p:sldId id="287" r:id="rId19"/>
+    <p:sldId id="288" r:id="rId20"/>
+    <p:sldId id="290" r:id="rId21"/>
+    <p:sldId id="291" r:id="rId22"/>
+    <p:sldId id="294" r:id="rId23"/>
+    <p:sldId id="292" r:id="rId24"/>
+    <p:sldId id="295" r:id="rId25"/>
+    <p:sldId id="297" r:id="rId26"/>
+    <p:sldId id="289" r:id="rId27"/>
+    <p:sldId id="296" r:id="rId28"/>
+    <p:sldId id="299" r:id="rId29"/>
+    <p:sldId id="298" r:id="rId30"/>
+    <p:sldId id="267" r:id="rId31"/>
   </p:sldIdLst>
   <p:sldSz cx="12192000" cy="6858000"/>
   <p:notesSz cx="6858000" cy="9144000"/>
   <p:custDataLst>
-    <p:tags r:id="rId38"/>
+    <p:tags r:id="rId33"/>
   </p:custDataLst>
   <p:defaultTextStyle>
     <a:defPPr>
@@ -139,6 +139,11 @@
       </a:defRPr>
     </a:lvl9pPr>
   </p:defaultTextStyle>
+  <p:extLst>
+    <p:ext uri="{EFAFB233-063F-42B5-8137-9DF3F51BA10A}">
+      <p15:sldGuideLst xmlns:p15="http://schemas.microsoft.com/office/powerpoint/2012/main"/>
+    </p:ext>
+  </p:extLst>
 </p:presentation>
 </file>
 
@@ -230,6 +235,7 @@
           <a:p>
             <a:fld id="{D2A48B96-639E-45A3-A0BA-2464DFDB1FAA}" type="datetimeFigureOut">
               <a:rPr lang="zh-CN" altLang="en-US" smtClean="0"/>
+              <a:t>2023/3/17</a:t>
             </a:fld>
             <a:endParaRPr lang="zh-CN" altLang="en-US"/>
           </a:p>
@@ -293,42 +299,37 @@
           <a:p>
             <a:pPr lvl="0"/>
             <a:r>
-              <a:rPr lang="zh-CN" altLang="en-US" smtClean="0"/>
+              <a:rPr lang="zh-CN" altLang="en-US"/>
               <a:t>单击此处编辑母版文本样式</a:t>
             </a:r>
-            <a:endParaRPr lang="zh-CN" altLang="en-US" smtClean="0"/>
           </a:p>
           <a:p>
             <a:pPr lvl="1"/>
             <a:r>
-              <a:rPr lang="zh-CN" altLang="en-US" smtClean="0"/>
+              <a:rPr lang="zh-CN" altLang="en-US"/>
               <a:t>第二级</a:t>
             </a:r>
-            <a:endParaRPr lang="zh-CN" altLang="en-US" smtClean="0"/>
           </a:p>
           <a:p>
             <a:pPr lvl="2"/>
             <a:r>
-              <a:rPr lang="zh-CN" altLang="en-US" smtClean="0"/>
+              <a:rPr lang="zh-CN" altLang="en-US"/>
               <a:t>第三级</a:t>
             </a:r>
-            <a:endParaRPr lang="zh-CN" altLang="en-US" smtClean="0"/>
           </a:p>
           <a:p>
             <a:pPr lvl="3"/>
             <a:r>
-              <a:rPr lang="zh-CN" altLang="en-US" smtClean="0"/>
+              <a:rPr lang="zh-CN" altLang="en-US"/>
               <a:t>第四级</a:t>
             </a:r>
-            <a:endParaRPr lang="zh-CN" altLang="en-US" smtClean="0"/>
           </a:p>
           <a:p>
             <a:pPr lvl="4"/>
             <a:r>
-              <a:rPr lang="zh-CN" altLang="en-US" smtClean="0"/>
+              <a:rPr lang="zh-CN" altLang="en-US"/>
               <a:t>第五级</a:t>
             </a:r>
-            <a:endParaRPr lang="zh-CN" altLang="en-US"/>
           </a:p>
         </p:txBody>
       </p:sp>
@@ -392,6 +393,7 @@
           <a:p>
             <a:fld id="{A6837353-30EB-4A48-80EB-173D804AEFBD}" type="slidenum">
               <a:rPr lang="zh-CN" altLang="en-US" smtClean="0"/>
+              <a:t>‹#›</a:t>
             </a:fld>
             <a:endParaRPr lang="zh-CN" altLang="en-US"/>
           </a:p>
@@ -560,6 +562,7 @@
           <a:p>
             <a:fld id="{00BE3BAD-15B5-4674-826F-A2FA4BED5D19}" type="slidenum">
               <a:rPr lang="zh-CN" altLang="en-US" smtClean="0"/>
+              <a:t>1</a:t>
             </a:fld>
             <a:endParaRPr lang="zh-CN" altLang="en-US"/>
           </a:p>
@@ -638,6 +641,7 @@
           <a:p>
             <a:fld id="{00BE3BAD-15B5-4674-826F-A2FA4BED5D19}" type="slidenum">
               <a:rPr lang="zh-CN" altLang="en-US" smtClean="0"/>
+              <a:t>10</a:t>
             </a:fld>
             <a:endParaRPr lang="zh-CN" altLang="en-US"/>
           </a:p>
@@ -716,6 +720,7 @@
           <a:p>
             <a:fld id="{00BE3BAD-15B5-4674-826F-A2FA4BED5D19}" type="slidenum">
               <a:rPr lang="zh-CN" altLang="en-US" smtClean="0"/>
+              <a:t>11</a:t>
             </a:fld>
             <a:endParaRPr lang="zh-CN" altLang="en-US"/>
           </a:p>
@@ -794,6 +799,7 @@
           <a:p>
             <a:fld id="{00BE3BAD-15B5-4674-826F-A2FA4BED5D19}" type="slidenum">
               <a:rPr lang="zh-CN" altLang="en-US" smtClean="0"/>
+              <a:t>12</a:t>
             </a:fld>
             <a:endParaRPr lang="zh-CN" altLang="en-US"/>
           </a:p>
@@ -855,7 +861,6 @@
               <a:rPr lang="en-US" altLang="zh-CN" dirty="0"/>
               <a:t>https://www.researchgate.net/figure/ProBERT-A-Fine-tuned-BERT-Model-for-Multi-label-Product-Categorization_fig1_344901824</a:t>
             </a:r>
-            <a:endParaRPr lang="en-US" altLang="zh-CN" dirty="0"/>
           </a:p>
         </p:txBody>
       </p:sp>
@@ -876,6 +881,7 @@
           <a:p>
             <a:fld id="{00BE3BAD-15B5-4674-826F-A2FA4BED5D19}" type="slidenum">
               <a:rPr lang="zh-CN" altLang="en-US" smtClean="0"/>
+              <a:t>13</a:t>
             </a:fld>
             <a:endParaRPr lang="zh-CN" altLang="en-US"/>
           </a:p>
@@ -937,7 +943,6 @@
               <a:rPr lang="en-US" altLang="zh-CN" dirty="0"/>
               <a:t>https://arxiv.org/pdf/1910.10683.pdf</a:t>
             </a:r>
-            <a:endParaRPr lang="en-US" altLang="zh-CN" dirty="0"/>
           </a:p>
         </p:txBody>
       </p:sp>
@@ -958,6 +963,7 @@
           <a:p>
             <a:fld id="{00BE3BAD-15B5-4674-826F-A2FA4BED5D19}" type="slidenum">
               <a:rPr lang="zh-CN" altLang="en-US" smtClean="0"/>
+              <a:t>14</a:t>
             </a:fld>
             <a:endParaRPr lang="zh-CN" altLang="en-US"/>
           </a:p>
@@ -1019,7 +1025,6 @@
               <a:rPr lang="en-US" altLang="zh-CN" dirty="0"/>
               <a:t>https://www.bilibili.com/video/BV1Wd4y1v7xF/?spm_id_from=333.337.search-card.all.click&amp;vd_source=0cee49be127fdd0ac512f45582953167</a:t>
             </a:r>
-            <a:endParaRPr lang="en-US" altLang="zh-CN" dirty="0"/>
           </a:p>
         </p:txBody>
       </p:sp>
@@ -1040,6 +1045,7 @@
           <a:p>
             <a:fld id="{00BE3BAD-15B5-4674-826F-A2FA4BED5D19}" type="slidenum">
               <a:rPr lang="zh-CN" altLang="en-US" smtClean="0"/>
+              <a:t>15</a:t>
             </a:fld>
             <a:endParaRPr lang="zh-CN" altLang="en-US"/>
           </a:p>
@@ -1118,6 +1124,7 @@
           <a:p>
             <a:fld id="{00BE3BAD-15B5-4674-826F-A2FA4BED5D19}" type="slidenum">
               <a:rPr lang="zh-CN" altLang="en-US" smtClean="0"/>
+              <a:t>16</a:t>
             </a:fld>
             <a:endParaRPr lang="zh-CN" altLang="en-US"/>
           </a:p>
@@ -1196,6 +1203,7 @@
           <a:p>
             <a:fld id="{00BE3BAD-15B5-4674-826F-A2FA4BED5D19}" type="slidenum">
               <a:rPr lang="zh-CN" altLang="en-US" smtClean="0"/>
+              <a:t>17</a:t>
             </a:fld>
             <a:endParaRPr lang="zh-CN" altLang="en-US"/>
           </a:p>
@@ -1274,6 +1282,7 @@
           <a:p>
             <a:fld id="{00BE3BAD-15B5-4674-826F-A2FA4BED5D19}" type="slidenum">
               <a:rPr lang="zh-CN" altLang="en-US" smtClean="0"/>
+              <a:t>18</a:t>
             </a:fld>
             <a:endParaRPr lang="zh-CN" altLang="en-US"/>
           </a:p>
@@ -1335,7 +1344,6 @@
               <a:rPr lang="en-US" altLang="zh-CN" dirty="0"/>
               <a:t>https://openai.com/blog/chatgpt/</a:t>
             </a:r>
-            <a:endParaRPr lang="en-US" altLang="zh-CN" dirty="0"/>
           </a:p>
         </p:txBody>
       </p:sp>
@@ -1356,6 +1364,7 @@
           <a:p>
             <a:fld id="{00BE3BAD-15B5-4674-826F-A2FA4BED5D19}" type="slidenum">
               <a:rPr lang="zh-CN" altLang="en-US" smtClean="0"/>
+              <a:t>19</a:t>
             </a:fld>
             <a:endParaRPr lang="zh-CN" altLang="en-US"/>
           </a:p>
@@ -1440,6 +1449,7 @@
           <a:p>
             <a:fld id="{00BE3BAD-15B5-4674-826F-A2FA4BED5D19}" type="slidenum">
               <a:rPr lang="zh-CN" altLang="en-US" smtClean="0"/>
+              <a:t>2</a:t>
             </a:fld>
             <a:endParaRPr lang="zh-CN" altLang="en-US"/>
           </a:p>
@@ -1501,7 +1511,6 @@
               <a:rPr lang="en-US" altLang="zh-CN" dirty="0"/>
               <a:t>https://www.startus-insights.com/innovators-guide/natural-language-processing-trends/</a:t>
             </a:r>
-            <a:endParaRPr lang="en-US" altLang="zh-CN" dirty="0"/>
           </a:p>
         </p:txBody>
       </p:sp>
@@ -1522,6 +1531,7 @@
           <a:p>
             <a:fld id="{00BE3BAD-15B5-4674-826F-A2FA4BED5D19}" type="slidenum">
               <a:rPr lang="zh-CN" altLang="en-US" smtClean="0"/>
+              <a:t>20</a:t>
             </a:fld>
             <a:endParaRPr lang="zh-CN" altLang="en-US"/>
           </a:p>
@@ -1600,6 +1610,7 @@
           <a:p>
             <a:fld id="{00BE3BAD-15B5-4674-826F-A2FA4BED5D19}" type="slidenum">
               <a:rPr lang="zh-CN" altLang="en-US" smtClean="0"/>
+              <a:t>21</a:t>
             </a:fld>
             <a:endParaRPr lang="zh-CN" altLang="en-US"/>
           </a:p>
@@ -1678,6 +1689,7 @@
           <a:p>
             <a:fld id="{00BE3BAD-15B5-4674-826F-A2FA4BED5D19}" type="slidenum">
               <a:rPr lang="zh-CN" altLang="en-US" smtClean="0"/>
+              <a:t>22</a:t>
             </a:fld>
             <a:endParaRPr lang="zh-CN" altLang="en-US"/>
           </a:p>
@@ -1756,6 +1768,7 @@
           <a:p>
             <a:fld id="{00BE3BAD-15B5-4674-826F-A2FA4BED5D19}" type="slidenum">
               <a:rPr lang="zh-CN" altLang="en-US" smtClean="0"/>
+              <a:t>23</a:t>
             </a:fld>
             <a:endParaRPr lang="zh-CN" altLang="en-US"/>
           </a:p>
@@ -1834,6 +1847,7 @@
           <a:p>
             <a:fld id="{00BE3BAD-15B5-4674-826F-A2FA4BED5D19}" type="slidenum">
               <a:rPr lang="zh-CN" altLang="en-US" smtClean="0"/>
+              <a:t>24</a:t>
             </a:fld>
             <a:endParaRPr lang="zh-CN" altLang="en-US"/>
           </a:p>
@@ -1912,6 +1926,7 @@
           <a:p>
             <a:fld id="{00BE3BAD-15B5-4674-826F-A2FA4BED5D19}" type="slidenum">
               <a:rPr lang="zh-CN" altLang="en-US" smtClean="0"/>
+              <a:t>25</a:t>
             </a:fld>
             <a:endParaRPr lang="zh-CN" altLang="en-US"/>
           </a:p>
@@ -1973,7 +1988,6 @@
               <a:rPr lang="en-US" altLang="zh-CN" dirty="0"/>
               <a:t>https://www.bilibili.com/video/BV1Wd4y1v7xF/?spm_id_from=333.337.search-card.all.click&amp;vd_source=0cee49be127fdd0ac512f45582953167</a:t>
             </a:r>
-            <a:endParaRPr lang="en-US" altLang="zh-CN" dirty="0"/>
           </a:p>
         </p:txBody>
       </p:sp>
@@ -1994,6 +2008,7 @@
           <a:p>
             <a:fld id="{00BE3BAD-15B5-4674-826F-A2FA4BED5D19}" type="slidenum">
               <a:rPr lang="zh-CN" altLang="en-US" smtClean="0"/>
+              <a:t>26</a:t>
             </a:fld>
             <a:endParaRPr lang="zh-CN" altLang="en-US"/>
           </a:p>
@@ -2055,7 +2070,6 @@
               <a:rPr lang="en-US" altLang="zh-CN" dirty="0"/>
               <a:t>https://www.bilibili.com/video/BV1Wd4y1v7xF/?spm_id_from=333.337.search-card.all.click&amp;vd_source=0cee49be127fdd0ac512f45582953167</a:t>
             </a:r>
-            <a:endParaRPr lang="en-US" altLang="zh-CN" dirty="0"/>
           </a:p>
         </p:txBody>
       </p:sp>
@@ -2076,6 +2090,7 @@
           <a:p>
             <a:fld id="{00BE3BAD-15B5-4674-826F-A2FA4BED5D19}" type="slidenum">
               <a:rPr lang="zh-CN" altLang="en-US" smtClean="0"/>
+              <a:t>27</a:t>
             </a:fld>
             <a:endParaRPr lang="zh-CN" altLang="en-US"/>
           </a:p>
@@ -2137,7 +2152,6 @@
               <a:rPr lang="en-US" altLang="zh-CN" dirty="0"/>
               <a:t>https://www.bilibili.com/video/BV1Wd4y1v7xF/?spm_id_from=333.337.search-card.all.click&amp;vd_source=0cee49be127fdd0ac512f45582953167</a:t>
             </a:r>
-            <a:endParaRPr lang="en-US" altLang="zh-CN" dirty="0"/>
           </a:p>
         </p:txBody>
       </p:sp>
@@ -2158,6 +2172,7 @@
           <a:p>
             <a:fld id="{00BE3BAD-15B5-4674-826F-A2FA4BED5D19}" type="slidenum">
               <a:rPr lang="zh-CN" altLang="en-US" smtClean="0"/>
+              <a:t>28</a:t>
             </a:fld>
             <a:endParaRPr lang="zh-CN" altLang="en-US"/>
           </a:p>
@@ -2219,7 +2234,6 @@
               <a:rPr lang="en-US" altLang="zh-CN" dirty="0"/>
               <a:t>https://www.bilibili.com/video/BV1Wd4y1v7xF/?spm_id_from=333.337.search-card.all.click&amp;vd_source=0cee49be127fdd0ac512f45582953167</a:t>
             </a:r>
-            <a:endParaRPr lang="en-US" altLang="zh-CN" dirty="0"/>
           </a:p>
         </p:txBody>
       </p:sp>
@@ -2240,6 +2254,7 @@
           <a:p>
             <a:fld id="{00BE3BAD-15B5-4674-826F-A2FA4BED5D19}" type="slidenum">
               <a:rPr lang="zh-CN" altLang="en-US" smtClean="0"/>
+              <a:t>29</a:t>
             </a:fld>
             <a:endParaRPr lang="zh-CN" altLang="en-US"/>
           </a:p>
@@ -2318,6 +2333,7 @@
           <a:p>
             <a:fld id="{00BE3BAD-15B5-4674-826F-A2FA4BED5D19}" type="slidenum">
               <a:rPr lang="zh-CN" altLang="en-US" smtClean="0"/>
+              <a:t>3</a:t>
             </a:fld>
             <a:endParaRPr lang="zh-CN" altLang="en-US"/>
           </a:p>
@@ -2396,6 +2412,7 @@
           <a:p>
             <a:fld id="{00BE3BAD-15B5-4674-826F-A2FA4BED5D19}" type="slidenum">
               <a:rPr lang="zh-CN" altLang="en-US" smtClean="0"/>
+              <a:t>30</a:t>
             </a:fld>
             <a:endParaRPr lang="zh-CN" altLang="en-US"/>
           </a:p>
@@ -2474,6 +2491,7 @@
           <a:p>
             <a:fld id="{00BE3BAD-15B5-4674-826F-A2FA4BED5D19}" type="slidenum">
               <a:rPr lang="zh-CN" altLang="en-US" smtClean="0"/>
+              <a:t>4</a:t>
             </a:fld>
             <a:endParaRPr lang="zh-CN" altLang="en-US"/>
           </a:p>
@@ -2552,6 +2570,7 @@
           <a:p>
             <a:fld id="{00BE3BAD-15B5-4674-826F-A2FA4BED5D19}" type="slidenum">
               <a:rPr lang="zh-CN" altLang="en-US" smtClean="0"/>
+              <a:t>5</a:t>
             </a:fld>
             <a:endParaRPr lang="zh-CN" altLang="en-US"/>
           </a:p>
@@ -2630,6 +2649,7 @@
           <a:p>
             <a:fld id="{00BE3BAD-15B5-4674-826F-A2FA4BED5D19}" type="slidenum">
               <a:rPr lang="zh-CN" altLang="en-US" smtClean="0"/>
+              <a:t>6</a:t>
             </a:fld>
             <a:endParaRPr lang="zh-CN" altLang="en-US"/>
           </a:p>
@@ -2708,6 +2728,7 @@
           <a:p>
             <a:fld id="{00BE3BAD-15B5-4674-826F-A2FA4BED5D19}" type="slidenum">
               <a:rPr lang="zh-CN" altLang="en-US" smtClean="0"/>
+              <a:t>7</a:t>
             </a:fld>
             <a:endParaRPr lang="zh-CN" altLang="en-US"/>
           </a:p>
@@ -2769,7 +2790,6 @@
               <a:rPr lang="en-US" altLang="zh-CN" dirty="0"/>
               <a:t>https://arxiv.org/pdf/1810.04805.pdf</a:t>
             </a:r>
-            <a:endParaRPr lang="en-US" altLang="zh-CN" dirty="0"/>
           </a:p>
         </p:txBody>
       </p:sp>
@@ -2790,6 +2810,7 @@
           <a:p>
             <a:fld id="{00BE3BAD-15B5-4674-826F-A2FA4BED5D19}" type="slidenum">
               <a:rPr lang="zh-CN" altLang="en-US" smtClean="0"/>
+              <a:t>8</a:t>
             </a:fld>
             <a:endParaRPr lang="zh-CN" altLang="en-US"/>
           </a:p>
@@ -2851,7 +2872,6 @@
               <a:rPr lang="en-US" altLang="zh-CN" dirty="0"/>
               <a:t>https://arxiv.org/pdf/1810.04805.pdf</a:t>
             </a:r>
-            <a:endParaRPr lang="en-US" altLang="zh-CN" dirty="0"/>
           </a:p>
         </p:txBody>
       </p:sp>
@@ -2872,6 +2892,7 @@
           <a:p>
             <a:fld id="{00BE3BAD-15B5-4674-826F-A2FA4BED5D19}" type="slidenum">
               <a:rPr lang="zh-CN" altLang="en-US" smtClean="0"/>
+              <a:t>9</a:t>
             </a:fld>
             <a:endParaRPr lang="zh-CN" altLang="en-US"/>
           </a:p>
@@ -2927,10 +2948,9 @@
           </a:lstStyle>
           <a:p>
             <a:r>
-              <a:rPr lang="zh-CN" altLang="en-US" smtClean="0"/>
+              <a:rPr lang="zh-CN" altLang="en-US"/>
               <a:t>单击此处编辑母版标题样式</a:t>
             </a:r>
-            <a:endParaRPr lang="zh-CN" altLang="en-US"/>
           </a:p>
         </p:txBody>
       </p:sp>
@@ -2992,10 +3012,9 @@
           </a:lstStyle>
           <a:p>
             <a:r>
-              <a:rPr lang="zh-CN" altLang="en-US" smtClean="0"/>
+              <a:rPr lang="zh-CN" altLang="en-US"/>
               <a:t>单击此处编辑母版副标题样式</a:t>
             </a:r>
-            <a:endParaRPr lang="zh-CN" altLang="en-US"/>
           </a:p>
         </p:txBody>
       </p:sp>
@@ -3016,6 +3035,7 @@
           <a:p>
             <a:fld id="{D997B5FA-0921-464F-AAE1-844C04324D75}" type="datetimeFigureOut">
               <a:rPr lang="zh-CN" altLang="en-US" smtClean="0"/>
+              <a:t>2023/3/17</a:t>
             </a:fld>
             <a:endParaRPr lang="zh-CN" altLang="en-US"/>
           </a:p>
@@ -3057,6 +3077,7 @@
           <a:p>
             <a:fld id="{565CE74E-AB26-4998-AD42-012C4C1AD076}" type="slidenum">
               <a:rPr lang="zh-CN" altLang="en-US" smtClean="0"/>
+              <a:t>‹#›</a:t>
             </a:fld>
             <a:endParaRPr lang="zh-CN" altLang="en-US"/>
           </a:p>
@@ -3103,10 +3124,9 @@
           <a:lstStyle/>
           <a:p>
             <a:r>
-              <a:rPr lang="zh-CN" altLang="en-US" smtClean="0"/>
+              <a:rPr lang="zh-CN" altLang="en-US"/>
               <a:t>单击此处编辑母版标题样式</a:t>
             </a:r>
-            <a:endParaRPr lang="zh-CN" altLang="en-US"/>
           </a:p>
         </p:txBody>
       </p:sp>
@@ -3127,42 +3147,37 @@
           <a:p>
             <a:pPr lvl="0"/>
             <a:r>
-              <a:rPr lang="zh-CN" altLang="en-US" smtClean="0"/>
+              <a:rPr lang="zh-CN" altLang="en-US"/>
               <a:t>单击此处编辑母版文本样式</a:t>
             </a:r>
-            <a:endParaRPr lang="zh-CN" altLang="en-US" smtClean="0"/>
           </a:p>
           <a:p>
             <a:pPr lvl="1"/>
             <a:r>
-              <a:rPr lang="zh-CN" altLang="en-US" smtClean="0"/>
+              <a:rPr lang="zh-CN" altLang="en-US"/>
               <a:t>第二级</a:t>
             </a:r>
-            <a:endParaRPr lang="zh-CN" altLang="en-US" smtClean="0"/>
           </a:p>
           <a:p>
             <a:pPr lvl="2"/>
             <a:r>
-              <a:rPr lang="zh-CN" altLang="en-US" smtClean="0"/>
+              <a:rPr lang="zh-CN" altLang="en-US"/>
               <a:t>第三级</a:t>
             </a:r>
-            <a:endParaRPr lang="zh-CN" altLang="en-US" smtClean="0"/>
           </a:p>
           <a:p>
             <a:pPr lvl="3"/>
             <a:r>
-              <a:rPr lang="zh-CN" altLang="en-US" smtClean="0"/>
+              <a:rPr lang="zh-CN" altLang="en-US"/>
               <a:t>第四级</a:t>
             </a:r>
-            <a:endParaRPr lang="zh-CN" altLang="en-US" smtClean="0"/>
           </a:p>
           <a:p>
             <a:pPr lvl="4"/>
             <a:r>
-              <a:rPr lang="zh-CN" altLang="en-US" smtClean="0"/>
+              <a:rPr lang="zh-CN" altLang="en-US"/>
               <a:t>第五级</a:t>
             </a:r>
-            <a:endParaRPr lang="zh-CN" altLang="en-US"/>
           </a:p>
         </p:txBody>
       </p:sp>
@@ -3183,6 +3198,7 @@
           <a:p>
             <a:fld id="{D997B5FA-0921-464F-AAE1-844C04324D75}" type="datetimeFigureOut">
               <a:rPr lang="zh-CN" altLang="en-US" smtClean="0"/>
+              <a:t>2023/3/17</a:t>
             </a:fld>
             <a:endParaRPr lang="zh-CN" altLang="en-US"/>
           </a:p>
@@ -3224,6 +3240,7 @@
           <a:p>
             <a:fld id="{565CE74E-AB26-4998-AD42-012C4C1AD076}" type="slidenum">
               <a:rPr lang="zh-CN" altLang="en-US" smtClean="0"/>
+              <a:t>‹#›</a:t>
             </a:fld>
             <a:endParaRPr lang="zh-CN" altLang="en-US"/>
           </a:p>
@@ -3275,10 +3292,9 @@
           <a:lstStyle/>
           <a:p>
             <a:r>
-              <a:rPr lang="zh-CN" altLang="en-US" smtClean="0"/>
+              <a:rPr lang="zh-CN" altLang="en-US"/>
               <a:t>单击此处编辑母版标题样式</a:t>
             </a:r>
-            <a:endParaRPr lang="zh-CN" altLang="en-US"/>
           </a:p>
         </p:txBody>
       </p:sp>
@@ -3304,42 +3320,37 @@
           <a:p>
             <a:pPr lvl="0"/>
             <a:r>
-              <a:rPr lang="zh-CN" altLang="en-US" smtClean="0"/>
+              <a:rPr lang="zh-CN" altLang="en-US"/>
               <a:t>单击此处编辑母版文本样式</a:t>
             </a:r>
-            <a:endParaRPr lang="zh-CN" altLang="en-US" smtClean="0"/>
           </a:p>
           <a:p>
             <a:pPr lvl="1"/>
             <a:r>
-              <a:rPr lang="zh-CN" altLang="en-US" smtClean="0"/>
+              <a:rPr lang="zh-CN" altLang="en-US"/>
               <a:t>第二级</a:t>
             </a:r>
-            <a:endParaRPr lang="zh-CN" altLang="en-US" smtClean="0"/>
           </a:p>
           <a:p>
             <a:pPr lvl="2"/>
             <a:r>
-              <a:rPr lang="zh-CN" altLang="en-US" smtClean="0"/>
+              <a:rPr lang="zh-CN" altLang="en-US"/>
               <a:t>第三级</a:t>
             </a:r>
-            <a:endParaRPr lang="zh-CN" altLang="en-US" smtClean="0"/>
           </a:p>
           <a:p>
             <a:pPr lvl="3"/>
             <a:r>
-              <a:rPr lang="zh-CN" altLang="en-US" smtClean="0"/>
+              <a:rPr lang="zh-CN" altLang="en-US"/>
               <a:t>第四级</a:t>
             </a:r>
-            <a:endParaRPr lang="zh-CN" altLang="en-US" smtClean="0"/>
           </a:p>
           <a:p>
             <a:pPr lvl="4"/>
             <a:r>
-              <a:rPr lang="zh-CN" altLang="en-US" smtClean="0"/>
+              <a:rPr lang="zh-CN" altLang="en-US"/>
               <a:t>第五级</a:t>
             </a:r>
-            <a:endParaRPr lang="zh-CN" altLang="en-US"/>
           </a:p>
         </p:txBody>
       </p:sp>
@@ -3360,6 +3371,7 @@
           <a:p>
             <a:fld id="{D997B5FA-0921-464F-AAE1-844C04324D75}" type="datetimeFigureOut">
               <a:rPr lang="zh-CN" altLang="en-US" smtClean="0"/>
+              <a:t>2023/3/17</a:t>
             </a:fld>
             <a:endParaRPr lang="zh-CN" altLang="en-US"/>
           </a:p>
@@ -3401,6 +3413,7 @@
           <a:p>
             <a:fld id="{565CE74E-AB26-4998-AD42-012C4C1AD076}" type="slidenum">
               <a:rPr lang="zh-CN" altLang="en-US" smtClean="0"/>
+              <a:t>‹#›</a:t>
             </a:fld>
             <a:endParaRPr lang="zh-CN" altLang="en-US"/>
           </a:p>
@@ -3447,10 +3460,9 @@
           <a:lstStyle/>
           <a:p>
             <a:r>
-              <a:rPr lang="zh-CN" altLang="en-US" smtClean="0"/>
+              <a:rPr lang="zh-CN" altLang="en-US"/>
               <a:t>单击此处编辑母版标题样式</a:t>
             </a:r>
-            <a:endParaRPr lang="zh-CN" altLang="en-US"/>
           </a:p>
         </p:txBody>
       </p:sp>
@@ -3471,42 +3483,37 @@
           <a:p>
             <a:pPr lvl="0"/>
             <a:r>
-              <a:rPr lang="zh-CN" altLang="en-US" smtClean="0"/>
+              <a:rPr lang="zh-CN" altLang="en-US"/>
               <a:t>单击此处编辑母版文本样式</a:t>
             </a:r>
-            <a:endParaRPr lang="zh-CN" altLang="en-US" smtClean="0"/>
           </a:p>
           <a:p>
             <a:pPr lvl="1"/>
             <a:r>
-              <a:rPr lang="zh-CN" altLang="en-US" smtClean="0"/>
+              <a:rPr lang="zh-CN" altLang="en-US"/>
               <a:t>第二级</a:t>
             </a:r>
-            <a:endParaRPr lang="zh-CN" altLang="en-US" smtClean="0"/>
           </a:p>
           <a:p>
             <a:pPr lvl="2"/>
             <a:r>
-              <a:rPr lang="zh-CN" altLang="en-US" smtClean="0"/>
+              <a:rPr lang="zh-CN" altLang="en-US"/>
               <a:t>第三级</a:t>
             </a:r>
-            <a:endParaRPr lang="zh-CN" altLang="en-US" smtClean="0"/>
           </a:p>
           <a:p>
             <a:pPr lvl="3"/>
             <a:r>
-              <a:rPr lang="zh-CN" altLang="en-US" smtClean="0"/>
+              <a:rPr lang="zh-CN" altLang="en-US"/>
               <a:t>第四级</a:t>
             </a:r>
-            <a:endParaRPr lang="zh-CN" altLang="en-US" smtClean="0"/>
           </a:p>
           <a:p>
             <a:pPr lvl="4"/>
             <a:r>
-              <a:rPr lang="zh-CN" altLang="en-US" smtClean="0"/>
+              <a:rPr lang="zh-CN" altLang="en-US"/>
               <a:t>第五级</a:t>
             </a:r>
-            <a:endParaRPr lang="zh-CN" altLang="en-US"/>
           </a:p>
         </p:txBody>
       </p:sp>
@@ -3527,6 +3534,7 @@
           <a:p>
             <a:fld id="{D997B5FA-0921-464F-AAE1-844C04324D75}" type="datetimeFigureOut">
               <a:rPr lang="zh-CN" altLang="en-US" smtClean="0"/>
+              <a:t>2023/3/17</a:t>
             </a:fld>
             <a:endParaRPr lang="zh-CN" altLang="en-US"/>
           </a:p>
@@ -3568,6 +3576,7 @@
           <a:p>
             <a:fld id="{565CE74E-AB26-4998-AD42-012C4C1AD076}" type="slidenum">
               <a:rPr lang="zh-CN" altLang="en-US" smtClean="0"/>
+              <a:t>‹#›</a:t>
             </a:fld>
             <a:endParaRPr lang="zh-CN" altLang="en-US"/>
           </a:p>
@@ -3623,10 +3632,9 @@
           </a:lstStyle>
           <a:p>
             <a:r>
-              <a:rPr lang="zh-CN" altLang="en-US" smtClean="0"/>
+              <a:rPr lang="zh-CN" altLang="en-US"/>
               <a:t>单击此处编辑母版标题样式</a:t>
             </a:r>
-            <a:endParaRPr lang="zh-CN" altLang="en-US"/>
           </a:p>
         </p:txBody>
       </p:sp>
@@ -3743,10 +3751,9 @@
           <a:p>
             <a:pPr lvl="0"/>
             <a:r>
-              <a:rPr lang="zh-CN" altLang="en-US" smtClean="0"/>
+              <a:rPr lang="zh-CN" altLang="en-US"/>
               <a:t>单击此处编辑母版文本样式</a:t>
             </a:r>
-            <a:endParaRPr lang="zh-CN" altLang="en-US" smtClean="0"/>
           </a:p>
         </p:txBody>
       </p:sp>
@@ -3767,6 +3774,7 @@
           <a:p>
             <a:fld id="{D997B5FA-0921-464F-AAE1-844C04324D75}" type="datetimeFigureOut">
               <a:rPr lang="zh-CN" altLang="en-US" smtClean="0"/>
+              <a:t>2023/3/17</a:t>
             </a:fld>
             <a:endParaRPr lang="zh-CN" altLang="en-US"/>
           </a:p>
@@ -3808,6 +3816,7 @@
           <a:p>
             <a:fld id="{565CE74E-AB26-4998-AD42-012C4C1AD076}" type="slidenum">
               <a:rPr lang="zh-CN" altLang="en-US" smtClean="0"/>
+              <a:t>‹#›</a:t>
             </a:fld>
             <a:endParaRPr lang="zh-CN" altLang="en-US"/>
           </a:p>
@@ -3854,10 +3863,9 @@
           <a:lstStyle/>
           <a:p>
             <a:r>
-              <a:rPr lang="zh-CN" altLang="en-US" smtClean="0"/>
+              <a:rPr lang="zh-CN" altLang="en-US"/>
               <a:t>单击此处编辑母版标题样式</a:t>
             </a:r>
-            <a:endParaRPr lang="zh-CN" altLang="en-US"/>
           </a:p>
         </p:txBody>
       </p:sp>
@@ -3883,42 +3891,37 @@
           <a:p>
             <a:pPr lvl="0"/>
             <a:r>
-              <a:rPr lang="zh-CN" altLang="en-US" smtClean="0"/>
+              <a:rPr lang="zh-CN" altLang="en-US"/>
               <a:t>单击此处编辑母版文本样式</a:t>
             </a:r>
-            <a:endParaRPr lang="zh-CN" altLang="en-US" smtClean="0"/>
           </a:p>
           <a:p>
             <a:pPr lvl="1"/>
             <a:r>
-              <a:rPr lang="zh-CN" altLang="en-US" smtClean="0"/>
+              <a:rPr lang="zh-CN" altLang="en-US"/>
               <a:t>第二级</a:t>
             </a:r>
-            <a:endParaRPr lang="zh-CN" altLang="en-US" smtClean="0"/>
           </a:p>
           <a:p>
             <a:pPr lvl="2"/>
             <a:r>
-              <a:rPr lang="zh-CN" altLang="en-US" smtClean="0"/>
+              <a:rPr lang="zh-CN" altLang="en-US"/>
               <a:t>第三级</a:t>
             </a:r>
-            <a:endParaRPr lang="zh-CN" altLang="en-US" smtClean="0"/>
           </a:p>
           <a:p>
             <a:pPr lvl="3"/>
             <a:r>
-              <a:rPr lang="zh-CN" altLang="en-US" smtClean="0"/>
+              <a:rPr lang="zh-CN" altLang="en-US"/>
               <a:t>第四级</a:t>
             </a:r>
-            <a:endParaRPr lang="zh-CN" altLang="en-US" smtClean="0"/>
           </a:p>
           <a:p>
             <a:pPr lvl="4"/>
             <a:r>
-              <a:rPr lang="zh-CN" altLang="en-US" smtClean="0"/>
+              <a:rPr lang="zh-CN" altLang="en-US"/>
               <a:t>第五级</a:t>
             </a:r>
-            <a:endParaRPr lang="zh-CN" altLang="en-US"/>
           </a:p>
         </p:txBody>
       </p:sp>
@@ -3944,42 +3947,37 @@
           <a:p>
             <a:pPr lvl="0"/>
             <a:r>
-              <a:rPr lang="zh-CN" altLang="en-US" smtClean="0"/>
+              <a:rPr lang="zh-CN" altLang="en-US"/>
               <a:t>单击此处编辑母版文本样式</a:t>
             </a:r>
-            <a:endParaRPr lang="zh-CN" altLang="en-US" smtClean="0"/>
           </a:p>
           <a:p>
             <a:pPr lvl="1"/>
             <a:r>
-              <a:rPr lang="zh-CN" altLang="en-US" smtClean="0"/>
+              <a:rPr lang="zh-CN" altLang="en-US"/>
               <a:t>第二级</a:t>
             </a:r>
-            <a:endParaRPr lang="zh-CN" altLang="en-US" smtClean="0"/>
           </a:p>
           <a:p>
             <a:pPr lvl="2"/>
             <a:r>
-              <a:rPr lang="zh-CN" altLang="en-US" smtClean="0"/>
+              <a:rPr lang="zh-CN" altLang="en-US"/>
               <a:t>第三级</a:t>
             </a:r>
-            <a:endParaRPr lang="zh-CN" altLang="en-US" smtClean="0"/>
           </a:p>
           <a:p>
             <a:pPr lvl="3"/>
             <a:r>
-              <a:rPr lang="zh-CN" altLang="en-US" smtClean="0"/>
+              <a:rPr lang="zh-CN" altLang="en-US"/>
               <a:t>第四级</a:t>
             </a:r>
-            <a:endParaRPr lang="zh-CN" altLang="en-US" smtClean="0"/>
           </a:p>
           <a:p>
             <a:pPr lvl="4"/>
             <a:r>
-              <a:rPr lang="zh-CN" altLang="en-US" smtClean="0"/>
+              <a:rPr lang="zh-CN" altLang="en-US"/>
               <a:t>第五级</a:t>
             </a:r>
-            <a:endParaRPr lang="zh-CN" altLang="en-US"/>
           </a:p>
         </p:txBody>
       </p:sp>
@@ -4000,6 +3998,7 @@
           <a:p>
             <a:fld id="{D997B5FA-0921-464F-AAE1-844C04324D75}" type="datetimeFigureOut">
               <a:rPr lang="zh-CN" altLang="en-US" smtClean="0"/>
+              <a:t>2023/3/17</a:t>
             </a:fld>
             <a:endParaRPr lang="zh-CN" altLang="en-US"/>
           </a:p>
@@ -4041,6 +4040,7 @@
           <a:p>
             <a:fld id="{565CE74E-AB26-4998-AD42-012C4C1AD076}" type="slidenum">
               <a:rPr lang="zh-CN" altLang="en-US" smtClean="0"/>
+              <a:t>‹#›</a:t>
             </a:fld>
             <a:endParaRPr lang="zh-CN" altLang="en-US"/>
           </a:p>
@@ -4092,10 +4092,9 @@
           <a:lstStyle/>
           <a:p>
             <a:r>
-              <a:rPr lang="zh-CN" altLang="en-US" smtClean="0"/>
+              <a:rPr lang="zh-CN" altLang="en-US"/>
               <a:t>单击此处编辑母版标题样式</a:t>
             </a:r>
-            <a:endParaRPr lang="zh-CN" altLang="en-US"/>
           </a:p>
         </p:txBody>
       </p:sp>
@@ -4158,10 +4157,9 @@
           <a:p>
             <a:pPr lvl="0"/>
             <a:r>
-              <a:rPr lang="zh-CN" altLang="en-US" smtClean="0"/>
+              <a:rPr lang="zh-CN" altLang="en-US"/>
               <a:t>单击此处编辑母版文本样式</a:t>
             </a:r>
-            <a:endParaRPr lang="zh-CN" altLang="en-US" smtClean="0"/>
           </a:p>
         </p:txBody>
       </p:sp>
@@ -4187,42 +4185,37 @@
           <a:p>
             <a:pPr lvl="0"/>
             <a:r>
-              <a:rPr lang="zh-CN" altLang="en-US" smtClean="0"/>
+              <a:rPr lang="zh-CN" altLang="en-US"/>
               <a:t>单击此处编辑母版文本样式</a:t>
             </a:r>
-            <a:endParaRPr lang="zh-CN" altLang="en-US" smtClean="0"/>
           </a:p>
           <a:p>
             <a:pPr lvl="1"/>
             <a:r>
-              <a:rPr lang="zh-CN" altLang="en-US" smtClean="0"/>
+              <a:rPr lang="zh-CN" altLang="en-US"/>
               <a:t>第二级</a:t>
             </a:r>
-            <a:endParaRPr lang="zh-CN" altLang="en-US" smtClean="0"/>
           </a:p>
           <a:p>
             <a:pPr lvl="2"/>
             <a:r>
-              <a:rPr lang="zh-CN" altLang="en-US" smtClean="0"/>
+              <a:rPr lang="zh-CN" altLang="en-US"/>
               <a:t>第三级</a:t>
             </a:r>
-            <a:endParaRPr lang="zh-CN" altLang="en-US" smtClean="0"/>
           </a:p>
           <a:p>
             <a:pPr lvl="3"/>
             <a:r>
-              <a:rPr lang="zh-CN" altLang="en-US" smtClean="0"/>
+              <a:rPr lang="zh-CN" altLang="en-US"/>
               <a:t>第四级</a:t>
             </a:r>
-            <a:endParaRPr lang="zh-CN" altLang="en-US" smtClean="0"/>
           </a:p>
           <a:p>
             <a:pPr lvl="4"/>
             <a:r>
-              <a:rPr lang="zh-CN" altLang="en-US" smtClean="0"/>
+              <a:rPr lang="zh-CN" altLang="en-US"/>
               <a:t>第五级</a:t>
             </a:r>
-            <a:endParaRPr lang="zh-CN" altLang="en-US"/>
           </a:p>
         </p:txBody>
       </p:sp>
@@ -4285,10 +4278,9 @@
           <a:p>
             <a:pPr lvl="0"/>
             <a:r>
-              <a:rPr lang="zh-CN" altLang="en-US" smtClean="0"/>
+              <a:rPr lang="zh-CN" altLang="en-US"/>
               <a:t>单击此处编辑母版文本样式</a:t>
             </a:r>
-            <a:endParaRPr lang="zh-CN" altLang="en-US" smtClean="0"/>
           </a:p>
         </p:txBody>
       </p:sp>
@@ -4314,42 +4306,37 @@
           <a:p>
             <a:pPr lvl="0"/>
             <a:r>
-              <a:rPr lang="zh-CN" altLang="en-US" smtClean="0"/>
+              <a:rPr lang="zh-CN" altLang="en-US"/>
               <a:t>单击此处编辑母版文本样式</a:t>
             </a:r>
-            <a:endParaRPr lang="zh-CN" altLang="en-US" smtClean="0"/>
           </a:p>
           <a:p>
             <a:pPr lvl="1"/>
             <a:r>
-              <a:rPr lang="zh-CN" altLang="en-US" smtClean="0"/>
+              <a:rPr lang="zh-CN" altLang="en-US"/>
               <a:t>第二级</a:t>
             </a:r>
-            <a:endParaRPr lang="zh-CN" altLang="en-US" smtClean="0"/>
           </a:p>
           <a:p>
             <a:pPr lvl="2"/>
             <a:r>
-              <a:rPr lang="zh-CN" altLang="en-US" smtClean="0"/>
+              <a:rPr lang="zh-CN" altLang="en-US"/>
               <a:t>第三级</a:t>
             </a:r>
-            <a:endParaRPr lang="zh-CN" altLang="en-US" smtClean="0"/>
           </a:p>
           <a:p>
             <a:pPr lvl="3"/>
             <a:r>
-              <a:rPr lang="zh-CN" altLang="en-US" smtClean="0"/>
+              <a:rPr lang="zh-CN" altLang="en-US"/>
               <a:t>第四级</a:t>
             </a:r>
-            <a:endParaRPr lang="zh-CN" altLang="en-US" smtClean="0"/>
           </a:p>
           <a:p>
             <a:pPr lvl="4"/>
             <a:r>
-              <a:rPr lang="zh-CN" altLang="en-US" smtClean="0"/>
+              <a:rPr lang="zh-CN" altLang="en-US"/>
               <a:t>第五级</a:t>
             </a:r>
-            <a:endParaRPr lang="zh-CN" altLang="en-US"/>
           </a:p>
         </p:txBody>
       </p:sp>
@@ -4370,6 +4357,7 @@
           <a:p>
             <a:fld id="{D997B5FA-0921-464F-AAE1-844C04324D75}" type="datetimeFigureOut">
               <a:rPr lang="zh-CN" altLang="en-US" smtClean="0"/>
+              <a:t>2023/3/17</a:t>
             </a:fld>
             <a:endParaRPr lang="zh-CN" altLang="en-US"/>
           </a:p>
@@ -4411,6 +4399,7 @@
           <a:p>
             <a:fld id="{565CE74E-AB26-4998-AD42-012C4C1AD076}" type="slidenum">
               <a:rPr lang="zh-CN" altLang="en-US" smtClean="0"/>
+              <a:t>‹#›</a:t>
             </a:fld>
             <a:endParaRPr lang="zh-CN" altLang="en-US"/>
           </a:p>
@@ -4457,10 +4446,9 @@
           <a:lstStyle/>
           <a:p>
             <a:r>
-              <a:rPr lang="zh-CN" altLang="en-US" smtClean="0"/>
+              <a:rPr lang="zh-CN" altLang="en-US"/>
               <a:t>单击此处编辑母版标题样式</a:t>
             </a:r>
-            <a:endParaRPr lang="zh-CN" altLang="en-US"/>
           </a:p>
         </p:txBody>
       </p:sp>
@@ -4481,6 +4469,7 @@
           <a:p>
             <a:fld id="{D997B5FA-0921-464F-AAE1-844C04324D75}" type="datetimeFigureOut">
               <a:rPr lang="zh-CN" altLang="en-US" smtClean="0"/>
+              <a:t>2023/3/17</a:t>
             </a:fld>
             <a:endParaRPr lang="zh-CN" altLang="en-US"/>
           </a:p>
@@ -4522,6 +4511,7 @@
           <a:p>
             <a:fld id="{565CE74E-AB26-4998-AD42-012C4C1AD076}" type="slidenum">
               <a:rPr lang="zh-CN" altLang="en-US" smtClean="0"/>
+              <a:t>‹#›</a:t>
             </a:fld>
             <a:endParaRPr lang="zh-CN" altLang="en-US"/>
           </a:p>
@@ -4569,6 +4559,7 @@
           <a:p>
             <a:fld id="{D997B5FA-0921-464F-AAE1-844C04324D75}" type="datetimeFigureOut">
               <a:rPr lang="zh-CN" altLang="en-US" smtClean="0"/>
+              <a:t>2023/3/17</a:t>
             </a:fld>
             <a:endParaRPr lang="zh-CN" altLang="en-US"/>
           </a:p>
@@ -4610,6 +4601,7 @@
           <a:p>
             <a:fld id="{565CE74E-AB26-4998-AD42-012C4C1AD076}" type="slidenum">
               <a:rPr lang="zh-CN" altLang="en-US" smtClean="0"/>
+              <a:t>‹#›</a:t>
             </a:fld>
             <a:endParaRPr lang="zh-CN" altLang="en-US"/>
           </a:p>
@@ -4665,10 +4657,9 @@
           </a:lstStyle>
           <a:p>
             <a:r>
-              <a:rPr lang="zh-CN" altLang="en-US" smtClean="0"/>
+              <a:rPr lang="zh-CN" altLang="en-US"/>
               <a:t>单击此处编辑母版标题样式</a:t>
             </a:r>
-            <a:endParaRPr lang="zh-CN" altLang="en-US"/>
           </a:p>
         </p:txBody>
       </p:sp>
@@ -4722,42 +4713,37 @@
           <a:p>
             <a:pPr lvl="0"/>
             <a:r>
-              <a:rPr lang="zh-CN" altLang="en-US" smtClean="0"/>
+              <a:rPr lang="zh-CN" altLang="en-US"/>
               <a:t>单击此处编辑母版文本样式</a:t>
             </a:r>
-            <a:endParaRPr lang="zh-CN" altLang="en-US" smtClean="0"/>
           </a:p>
           <a:p>
             <a:pPr lvl="1"/>
             <a:r>
-              <a:rPr lang="zh-CN" altLang="en-US" smtClean="0"/>
+              <a:rPr lang="zh-CN" altLang="en-US"/>
               <a:t>第二级</a:t>
             </a:r>
-            <a:endParaRPr lang="zh-CN" altLang="en-US" smtClean="0"/>
           </a:p>
           <a:p>
             <a:pPr lvl="2"/>
             <a:r>
-              <a:rPr lang="zh-CN" altLang="en-US" smtClean="0"/>
+              <a:rPr lang="zh-CN" altLang="en-US"/>
               <a:t>第三级</a:t>
             </a:r>
-            <a:endParaRPr lang="zh-CN" altLang="en-US" smtClean="0"/>
           </a:p>
           <a:p>
             <a:pPr lvl="3"/>
             <a:r>
-              <a:rPr lang="zh-CN" altLang="en-US" smtClean="0"/>
+              <a:rPr lang="zh-CN" altLang="en-US"/>
               <a:t>第四级</a:t>
             </a:r>
-            <a:endParaRPr lang="zh-CN" altLang="en-US" smtClean="0"/>
           </a:p>
           <a:p>
             <a:pPr lvl="4"/>
             <a:r>
-              <a:rPr lang="zh-CN" altLang="en-US" smtClean="0"/>
+              <a:rPr lang="zh-CN" altLang="en-US"/>
               <a:t>第五级</a:t>
             </a:r>
-            <a:endParaRPr lang="zh-CN" altLang="en-US"/>
           </a:p>
         </p:txBody>
       </p:sp>
@@ -4820,10 +4806,9 @@
           <a:p>
             <a:pPr lvl="0"/>
             <a:r>
-              <a:rPr lang="zh-CN" altLang="en-US" smtClean="0"/>
+              <a:rPr lang="zh-CN" altLang="en-US"/>
               <a:t>单击此处编辑母版文本样式</a:t>
             </a:r>
-            <a:endParaRPr lang="zh-CN" altLang="en-US" smtClean="0"/>
           </a:p>
         </p:txBody>
       </p:sp>
@@ -4844,6 +4829,7 @@
           <a:p>
             <a:fld id="{D997B5FA-0921-464F-AAE1-844C04324D75}" type="datetimeFigureOut">
               <a:rPr lang="zh-CN" altLang="en-US" smtClean="0"/>
+              <a:t>2023/3/17</a:t>
             </a:fld>
             <a:endParaRPr lang="zh-CN" altLang="en-US"/>
           </a:p>
@@ -4885,6 +4871,7 @@
           <a:p>
             <a:fld id="{565CE74E-AB26-4998-AD42-012C4C1AD076}" type="slidenum">
               <a:rPr lang="zh-CN" altLang="en-US" smtClean="0"/>
+              <a:t>‹#›</a:t>
             </a:fld>
             <a:endParaRPr lang="zh-CN" altLang="en-US"/>
           </a:p>
@@ -4940,10 +4927,9 @@
           </a:lstStyle>
           <a:p>
             <a:r>
-              <a:rPr lang="zh-CN" altLang="en-US" smtClean="0"/>
+              <a:rPr lang="zh-CN" altLang="en-US"/>
               <a:t>单击此处编辑母版标题样式</a:t>
             </a:r>
-            <a:endParaRPr lang="zh-CN" altLang="en-US"/>
           </a:p>
         </p:txBody>
       </p:sp>
@@ -5067,10 +5053,9 @@
           <a:p>
             <a:pPr lvl="0"/>
             <a:r>
-              <a:rPr lang="zh-CN" altLang="en-US" smtClean="0"/>
+              <a:rPr lang="zh-CN" altLang="en-US"/>
               <a:t>单击此处编辑母版文本样式</a:t>
             </a:r>
-            <a:endParaRPr lang="zh-CN" altLang="en-US" smtClean="0"/>
           </a:p>
         </p:txBody>
       </p:sp>
@@ -5091,6 +5076,7 @@
           <a:p>
             <a:fld id="{D997B5FA-0921-464F-AAE1-844C04324D75}" type="datetimeFigureOut">
               <a:rPr lang="zh-CN" altLang="en-US" smtClean="0"/>
+              <a:t>2023/3/17</a:t>
             </a:fld>
             <a:endParaRPr lang="zh-CN" altLang="en-US"/>
           </a:p>
@@ -5132,6 +5118,7 @@
           <a:p>
             <a:fld id="{565CE74E-AB26-4998-AD42-012C4C1AD076}" type="slidenum">
               <a:rPr lang="zh-CN" altLang="en-US" smtClean="0"/>
+              <a:t>‹#›</a:t>
             </a:fld>
             <a:endParaRPr lang="zh-CN" altLang="en-US"/>
           </a:p>
@@ -5193,10 +5180,9 @@
           <a:lstStyle/>
           <a:p>
             <a:r>
-              <a:rPr lang="zh-CN" altLang="en-US" smtClean="0"/>
+              <a:rPr lang="zh-CN" altLang="en-US"/>
               <a:t>单击此处编辑母版标题样式</a:t>
             </a:r>
-            <a:endParaRPr lang="zh-CN" altLang="en-US"/>
           </a:p>
         </p:txBody>
       </p:sp>
@@ -5227,42 +5213,37 @@
           <a:p>
             <a:pPr lvl="0"/>
             <a:r>
-              <a:rPr lang="zh-CN" altLang="en-US" smtClean="0"/>
+              <a:rPr lang="zh-CN" altLang="en-US"/>
               <a:t>单击此处编辑母版文本样式</a:t>
             </a:r>
-            <a:endParaRPr lang="zh-CN" altLang="en-US" smtClean="0"/>
           </a:p>
           <a:p>
             <a:pPr lvl="1"/>
             <a:r>
-              <a:rPr lang="zh-CN" altLang="en-US" smtClean="0"/>
+              <a:rPr lang="zh-CN" altLang="en-US"/>
               <a:t>第二级</a:t>
             </a:r>
-            <a:endParaRPr lang="zh-CN" altLang="en-US" smtClean="0"/>
           </a:p>
           <a:p>
             <a:pPr lvl="2"/>
             <a:r>
-              <a:rPr lang="zh-CN" altLang="en-US" smtClean="0"/>
+              <a:rPr lang="zh-CN" altLang="en-US"/>
               <a:t>第三级</a:t>
             </a:r>
-            <a:endParaRPr lang="zh-CN" altLang="en-US" smtClean="0"/>
           </a:p>
           <a:p>
             <a:pPr lvl="3"/>
             <a:r>
-              <a:rPr lang="zh-CN" altLang="en-US" smtClean="0"/>
+              <a:rPr lang="zh-CN" altLang="en-US"/>
               <a:t>第四级</a:t>
             </a:r>
-            <a:endParaRPr lang="zh-CN" altLang="en-US" smtClean="0"/>
           </a:p>
           <a:p>
             <a:pPr lvl="4"/>
             <a:r>
-              <a:rPr lang="zh-CN" altLang="en-US" smtClean="0"/>
+              <a:rPr lang="zh-CN" altLang="en-US"/>
               <a:t>第五级</a:t>
             </a:r>
-            <a:endParaRPr lang="zh-CN" altLang="en-US"/>
           </a:p>
         </p:txBody>
       </p:sp>
@@ -5301,6 +5282,7 @@
           <a:p>
             <a:fld id="{D997B5FA-0921-464F-AAE1-844C04324D75}" type="datetimeFigureOut">
               <a:rPr lang="zh-CN" altLang="en-US" smtClean="0"/>
+              <a:t>2023/3/17</a:t>
             </a:fld>
             <a:endParaRPr lang="zh-CN" altLang="en-US"/>
           </a:p>
@@ -5378,6 +5360,7 @@
           <a:p>
             <a:fld id="{565CE74E-AB26-4998-AD42-012C4C1AD076}" type="slidenum">
               <a:rPr lang="zh-CN" altLang="en-US" smtClean="0"/>
+              <a:t>‹#›</a:t>
             </a:fld>
             <a:endParaRPr lang="zh-CN" altLang="en-US"/>
           </a:p>
@@ -5708,11 +5691,11 @@
           <p:nvPr/>
         </p:nvPicPr>
         <p:blipFill>
-          <a:blip r:embed="rId1" cstate="screen">
+          <a:blip r:embed="rId3" cstate="screen">
             <a:extLst>
               <a:ext uri="{BEBA8EAE-BF5A-486C-A8C5-ECC9F3942E4B}">
                 <a14:imgProps xmlns:a14="http://schemas.microsoft.com/office/drawing/2010/main">
-                  <a14:imgLayer r:embed="rId2">
+                  <a14:imgLayer r:embed="rId4">
                     <a14:imgEffect>
                       <a14:saturation sat="200000"/>
                     </a14:imgEffect>
@@ -5917,7 +5900,7 @@
           <p:nvPr/>
         </p:nvPicPr>
         <p:blipFill>
-          <a:blip r:embed="rId3" cstate="print">
+          <a:blip r:embed="rId5" cstate="print">
             <a:extLst>
               <a:ext uri="{28A0092B-C50C-407E-A947-70E740481C1C}">
                 <a14:useLocalDpi xmlns:a14="http://schemas.microsoft.com/office/drawing/2010/main" val="0"/>
@@ -5958,7 +5941,7 @@
           <p:nvPr/>
         </p:nvPicPr>
         <p:blipFill>
-          <a:blip r:embed="rId4" cstate="print">
+          <a:blip r:embed="rId6" cstate="print">
             <a:clrChange>
               <a:clrFrom>
                 <a:srgbClr val="FEFEFE"/>
@@ -6006,6 +5989,7 @@
           <a:p>
             <a:fld id="{49AE70B2-8BF9-45C0-BB95-33D1B9D3A854}" type="slidenum">
               <a:rPr lang="zh-CN" altLang="en-US" smtClean="0"/>
+              <a:t>1</a:t>
             </a:fld>
             <a:endParaRPr lang="zh-CN" altLang="en-US"/>
           </a:p>
@@ -6253,7 +6237,6 @@
               <a:rPr lang="en-US" altLang="zh-CN" sz="3200"/>
               <a:t>——Towards Artificial Intelligence of Human Level Generalization Capability</a:t>
             </a:r>
-            <a:endParaRPr lang="en-US" altLang="zh-CN" sz="3200"/>
           </a:p>
         </p:txBody>
       </p:sp>
@@ -6294,11 +6277,11 @@
           <p:nvPr/>
         </p:nvPicPr>
         <p:blipFill>
-          <a:blip r:embed="rId1" cstate="screen">
+          <a:blip r:embed="rId3" cstate="screen">
             <a:extLst>
               <a:ext uri="{BEBA8EAE-BF5A-486C-A8C5-ECC9F3942E4B}">
                 <a14:imgProps xmlns:a14="http://schemas.microsoft.com/office/drawing/2010/main">
-                  <a14:imgLayer r:embed="rId2">
+                  <a14:imgLayer r:embed="rId4">
                     <a14:imgEffect>
                       <a14:saturation sat="200000"/>
                     </a14:imgEffect>
@@ -6330,7 +6313,7 @@
           <p:nvPr/>
         </p:nvPicPr>
         <p:blipFill>
-          <a:blip r:embed="rId3" cstate="print">
+          <a:blip r:embed="rId5" cstate="print">
             <a:extLst>
               <a:ext uri="{28A0092B-C50C-407E-A947-70E740481C1C}">
                 <a14:useLocalDpi xmlns:a14="http://schemas.microsoft.com/office/drawing/2010/main" val="0"/>
@@ -6371,7 +6354,7 @@
           <p:nvPr/>
         </p:nvPicPr>
         <p:blipFill>
-          <a:blip r:embed="rId4" cstate="print">
+          <a:blip r:embed="rId6" cstate="print">
             <a:clrChange>
               <a:clrFrom>
                 <a:srgbClr val="FEFEFE"/>
@@ -6419,6 +6402,7 @@
           <a:p>
             <a:fld id="{49AE70B2-8BF9-45C0-BB95-33D1B9D3A854}" type="slidenum">
               <a:rPr lang="zh-CN" altLang="en-US" smtClean="0"/>
+              <a:t>10</a:t>
             </a:fld>
             <a:endParaRPr lang="zh-CN" altLang="en-US"/>
           </a:p>
@@ -6489,12 +6473,12 @@
           <a:bodyPr wrap="square" rtlCol="0">
             <a:noAutofit/>
           </a:bodyPr>
+          <a:lstStyle/>
           <a:p>
             <a:r>
               <a:rPr lang="en-US" altLang="zh-CN" sz="2800"/>
               <a:t>Model structure for text translation?</a:t>
             </a:r>
-            <a:endParaRPr lang="en-US" altLang="zh-CN" sz="2800"/>
           </a:p>
           <a:p>
             <a:endParaRPr lang="en-US" altLang="zh-CN" sz="2800"/>
@@ -6513,7 +6497,7 @@
           <p:nvPr/>
         </p:nvPicPr>
         <p:blipFill>
-          <a:blip r:embed="rId5"/>
+          <a:blip r:embed="rId7"/>
           <a:stretch>
             <a:fillRect/>
           </a:stretch>
@@ -6536,13 +6520,6 @@
   <p:transition spd="med">
     <p:fade/>
   </p:transition>
-  <p:timing>
-    <p:tnLst>
-      <p:par>
-        <p:cTn id="1" dur="indefinite" restart="never" nodeType="tmRoot"/>
-      </p:par>
-    </p:tnLst>
-  </p:timing>
 </p:sld>
 </file>
 
@@ -6572,11 +6549,11 @@
           <p:nvPr/>
         </p:nvPicPr>
         <p:blipFill>
-          <a:blip r:embed="rId1" cstate="screen">
+          <a:blip r:embed="rId3" cstate="screen">
             <a:extLst>
               <a:ext uri="{BEBA8EAE-BF5A-486C-A8C5-ECC9F3942E4B}">
                 <a14:imgProps xmlns:a14="http://schemas.microsoft.com/office/drawing/2010/main">
-                  <a14:imgLayer r:embed="rId2">
+                  <a14:imgLayer r:embed="rId4">
                     <a14:imgEffect>
                       <a14:saturation sat="200000"/>
                     </a14:imgEffect>
@@ -6608,7 +6585,7 @@
           <p:nvPr/>
         </p:nvPicPr>
         <p:blipFill>
-          <a:blip r:embed="rId3" cstate="print">
+          <a:blip r:embed="rId5" cstate="print">
             <a:extLst>
               <a:ext uri="{28A0092B-C50C-407E-A947-70E740481C1C}">
                 <a14:useLocalDpi xmlns:a14="http://schemas.microsoft.com/office/drawing/2010/main" val="0"/>
@@ -6649,7 +6626,7 @@
           <p:nvPr/>
         </p:nvPicPr>
         <p:blipFill>
-          <a:blip r:embed="rId4" cstate="print">
+          <a:blip r:embed="rId6" cstate="print">
             <a:clrChange>
               <a:clrFrom>
                 <a:srgbClr val="FEFEFE"/>
@@ -6697,6 +6674,7 @@
           <a:p>
             <a:fld id="{49AE70B2-8BF9-45C0-BB95-33D1B9D3A854}" type="slidenum">
               <a:rPr lang="zh-CN" altLang="en-US" smtClean="0"/>
+              <a:t>11</a:t>
             </a:fld>
             <a:endParaRPr lang="zh-CN" altLang="en-US"/>
           </a:p>
@@ -6767,12 +6745,12 @@
           <a:bodyPr wrap="square" rtlCol="0">
             <a:noAutofit/>
           </a:bodyPr>
+          <a:lstStyle/>
           <a:p>
             <a:r>
               <a:rPr lang="en-US" altLang="zh-CN" sz="4000"/>
               <a:t>Tasks for different architectures?</a:t>
             </a:r>
-            <a:endParaRPr lang="en-US" altLang="zh-CN" sz="4000"/>
           </a:p>
           <a:p>
             <a:endParaRPr lang="en-US" altLang="zh-CN" sz="4000"/>
@@ -6782,7 +6760,6 @@
               <a:rPr lang="en-US" altLang="zh-CN" sz="2800"/>
               <a:t>Encoder: Noising -&gt; Denoising (Mask -&gt; fill)</a:t>
             </a:r>
-            <a:endParaRPr lang="en-US" altLang="zh-CN" sz="2800"/>
           </a:p>
           <a:p>
             <a:endParaRPr lang="en-US" altLang="zh-CN" sz="2800"/>
@@ -6795,7 +6772,6 @@
               <a:rPr lang="en-US" altLang="zh-CN" sz="2800"/>
               <a:t>Decoder: Text Completion</a:t>
             </a:r>
-            <a:endParaRPr lang="en-US" altLang="zh-CN" sz="2800"/>
           </a:p>
           <a:p>
             <a:endParaRPr lang="en-US" altLang="zh-CN" sz="2800"/>
@@ -6808,7 +6784,6 @@
               <a:rPr lang="en-US" altLang="zh-CN" sz="2800"/>
               <a:t>Encoder-Decoder: Permutation -&gt; Recovering</a:t>
             </a:r>
-            <a:endParaRPr lang="en-US" altLang="zh-CN" sz="2800"/>
           </a:p>
         </p:txBody>
       </p:sp>
@@ -6820,13 +6795,6 @@
   <p:transition spd="med">
     <p:fade/>
   </p:transition>
-  <p:timing>
-    <p:tnLst>
-      <p:par>
-        <p:cTn id="1" dur="indefinite" restart="never" nodeType="tmRoot"/>
-      </p:par>
-    </p:tnLst>
-  </p:timing>
 </p:sld>
 </file>
 
@@ -6856,11 +6824,11 @@
           <p:nvPr/>
         </p:nvPicPr>
         <p:blipFill>
-          <a:blip r:embed="rId1" cstate="screen">
+          <a:blip r:embed="rId3" cstate="screen">
             <a:extLst>
               <a:ext uri="{BEBA8EAE-BF5A-486C-A8C5-ECC9F3942E4B}">
                 <a14:imgProps xmlns:a14="http://schemas.microsoft.com/office/drawing/2010/main">
-                  <a14:imgLayer r:embed="rId2">
+                  <a14:imgLayer r:embed="rId4">
                     <a14:imgEffect>
                       <a14:saturation sat="200000"/>
                     </a14:imgEffect>
@@ -6892,7 +6860,7 @@
           <p:nvPr/>
         </p:nvPicPr>
         <p:blipFill>
-          <a:blip r:embed="rId3" cstate="print">
+          <a:blip r:embed="rId5" cstate="print">
             <a:extLst>
               <a:ext uri="{28A0092B-C50C-407E-A947-70E740481C1C}">
                 <a14:useLocalDpi xmlns:a14="http://schemas.microsoft.com/office/drawing/2010/main" val="0"/>
@@ -6933,7 +6901,7 @@
           <p:nvPr/>
         </p:nvPicPr>
         <p:blipFill>
-          <a:blip r:embed="rId4" cstate="print">
+          <a:blip r:embed="rId6" cstate="print">
             <a:clrChange>
               <a:clrFrom>
                 <a:srgbClr val="FEFEFE"/>
@@ -6981,6 +6949,7 @@
           <a:p>
             <a:fld id="{49AE70B2-8BF9-45C0-BB95-33D1B9D3A854}" type="slidenum">
               <a:rPr lang="zh-CN" altLang="en-US" smtClean="0"/>
+              <a:t>12</a:t>
             </a:fld>
             <a:endParaRPr lang="zh-CN" altLang="en-US"/>
           </a:p>
@@ -7051,12 +7020,12 @@
           <a:bodyPr wrap="square" rtlCol="0">
             <a:noAutofit/>
           </a:bodyPr>
+          <a:lstStyle/>
           <a:p>
             <a:r>
               <a:rPr lang="en-US" altLang="zh-CN" sz="4000"/>
               <a:t>What to do after pre-training?</a:t>
             </a:r>
-            <a:endParaRPr lang="en-US" altLang="zh-CN" sz="4000"/>
           </a:p>
           <a:p>
             <a:endParaRPr lang="en-US" altLang="zh-CN" sz="2800"/>
@@ -7066,7 +7035,6 @@
               <a:rPr lang="en-US" altLang="zh-CN" sz="2800"/>
               <a:t>Models are stupid! They only know what they learn.</a:t>
             </a:r>
-            <a:endParaRPr lang="en-US" altLang="zh-CN" sz="2800"/>
           </a:p>
           <a:p>
             <a:endParaRPr lang="en-US" altLang="zh-CN" sz="2800"/>
@@ -7076,7 +7044,6 @@
               <a:rPr lang="en-US" altLang="zh-CN" sz="2800"/>
               <a:t>To resolve this:</a:t>
             </a:r>
-            <a:endParaRPr lang="en-US" altLang="zh-CN" sz="2800"/>
           </a:p>
           <a:p>
             <a:endParaRPr lang="en-US" altLang="zh-CN" sz="2800"/>
@@ -7086,7 +7053,6 @@
               <a:rPr lang="en-US" altLang="zh-CN" sz="2800"/>
               <a:t>· Task-specific fine-tuning</a:t>
             </a:r>
-            <a:endParaRPr lang="en-US" altLang="zh-CN" sz="2800"/>
           </a:p>
           <a:p>
             <a:endParaRPr lang="en-US" altLang="zh-CN" sz="2800"/>
@@ -7096,7 +7062,6 @@
               <a:rPr lang="en-US" altLang="zh-CN" sz="2800"/>
               <a:t>· Unified instructing</a:t>
             </a:r>
-            <a:endParaRPr lang="en-US" altLang="zh-CN" sz="2800"/>
           </a:p>
         </p:txBody>
       </p:sp>
@@ -7108,13 +7073,6 @@
   <p:transition spd="med">
     <p:fade/>
   </p:transition>
-  <p:timing>
-    <p:tnLst>
-      <p:par>
-        <p:cTn id="1" dur="indefinite" restart="never" nodeType="tmRoot"/>
-      </p:par>
-    </p:tnLst>
-  </p:timing>
 </p:sld>
 </file>
 
@@ -7144,11 +7102,11 @@
           <p:nvPr/>
         </p:nvPicPr>
         <p:blipFill>
-          <a:blip r:embed="rId1" cstate="screen">
+          <a:blip r:embed="rId3" cstate="screen">
             <a:extLst>
               <a:ext uri="{BEBA8EAE-BF5A-486C-A8C5-ECC9F3942E4B}">
                 <a14:imgProps xmlns:a14="http://schemas.microsoft.com/office/drawing/2010/main">
-                  <a14:imgLayer r:embed="rId2">
+                  <a14:imgLayer r:embed="rId4">
                     <a14:imgEffect>
                       <a14:saturation sat="200000"/>
                     </a14:imgEffect>
@@ -7180,7 +7138,7 @@
           <p:nvPr/>
         </p:nvPicPr>
         <p:blipFill>
-          <a:blip r:embed="rId3" cstate="print">
+          <a:blip r:embed="rId5" cstate="print">
             <a:extLst>
               <a:ext uri="{28A0092B-C50C-407E-A947-70E740481C1C}">
                 <a14:useLocalDpi xmlns:a14="http://schemas.microsoft.com/office/drawing/2010/main" val="0"/>
@@ -7221,7 +7179,7 @@
           <p:nvPr/>
         </p:nvPicPr>
         <p:blipFill>
-          <a:blip r:embed="rId4" cstate="print">
+          <a:blip r:embed="rId6" cstate="print">
             <a:clrChange>
               <a:clrFrom>
                 <a:srgbClr val="FEFEFE"/>
@@ -7269,6 +7227,7 @@
           <a:p>
             <a:fld id="{49AE70B2-8BF9-45C0-BB95-33D1B9D3A854}" type="slidenum">
               <a:rPr lang="zh-CN" altLang="en-US" smtClean="0"/>
+              <a:t>13</a:t>
             </a:fld>
             <a:endParaRPr lang="zh-CN" altLang="en-US"/>
           </a:p>
@@ -7339,12 +7298,12 @@
           <a:bodyPr wrap="square" rtlCol="0">
             <a:noAutofit/>
           </a:bodyPr>
+          <a:lstStyle/>
           <a:p>
             <a:r>
               <a:rPr lang="en-US" altLang="zh-CN" sz="3600"/>
               <a:t>How do we fine-tune a model?</a:t>
             </a:r>
-            <a:endParaRPr lang="en-US" altLang="zh-CN" sz="3600"/>
           </a:p>
           <a:p>
             <a:endParaRPr lang="en-US" altLang="zh-CN" sz="3600"/>
@@ -7370,7 +7329,6 @@
               <a:rPr lang="en-US" altLang="zh-CN" sz="2800"/>
               <a:t>Note: A model after pre-training </a:t>
             </a:r>
-            <a:endParaRPr lang="en-US" altLang="zh-CN" sz="2800"/>
           </a:p>
           <a:p>
             <a:r>
@@ -7389,14 +7347,12 @@
               <a:rPr lang="en-US" altLang="zh-CN" sz="2800"/>
               <a:t> </a:t>
             </a:r>
-            <a:endParaRPr lang="en-US" altLang="zh-CN" sz="2800"/>
           </a:p>
           <a:p>
             <a:r>
               <a:rPr lang="en-US" altLang="zh-CN" sz="2800"/>
               <a:t>everything.</a:t>
             </a:r>
-            <a:endParaRPr lang="en-US" altLang="zh-CN" sz="2800"/>
           </a:p>
           <a:p>
             <a:endParaRPr lang="en-US" altLang="zh-CN" sz="2800"/>
@@ -7415,7 +7371,7 @@
           <p:nvPr/>
         </p:nvPicPr>
         <p:blipFill>
-          <a:blip r:embed="rId5"/>
+          <a:blip r:embed="rId7"/>
           <a:stretch>
             <a:fillRect/>
           </a:stretch>
@@ -7438,13 +7394,6 @@
   <p:transition spd="med">
     <p:fade/>
   </p:transition>
-  <p:timing>
-    <p:tnLst>
-      <p:par>
-        <p:cTn id="1" dur="indefinite" restart="never" nodeType="tmRoot"/>
-      </p:par>
-    </p:tnLst>
-  </p:timing>
 </p:sld>
 </file>
 
@@ -7474,11 +7423,11 @@
           <p:nvPr/>
         </p:nvPicPr>
         <p:blipFill>
-          <a:blip r:embed="rId1" cstate="screen">
+          <a:blip r:embed="rId3" cstate="screen">
             <a:extLst>
               <a:ext uri="{BEBA8EAE-BF5A-486C-A8C5-ECC9F3942E4B}">
                 <a14:imgProps xmlns:a14="http://schemas.microsoft.com/office/drawing/2010/main">
-                  <a14:imgLayer r:embed="rId2">
+                  <a14:imgLayer r:embed="rId4">
                     <a14:imgEffect>
                       <a14:saturation sat="200000"/>
                     </a14:imgEffect>
@@ -7510,7 +7459,7 @@
           <p:nvPr/>
         </p:nvPicPr>
         <p:blipFill>
-          <a:blip r:embed="rId3" cstate="print">
+          <a:blip r:embed="rId5" cstate="print">
             <a:extLst>
               <a:ext uri="{28A0092B-C50C-407E-A947-70E740481C1C}">
                 <a14:useLocalDpi xmlns:a14="http://schemas.microsoft.com/office/drawing/2010/main" val="0"/>
@@ -7551,7 +7500,7 @@
           <p:nvPr/>
         </p:nvPicPr>
         <p:blipFill>
-          <a:blip r:embed="rId4" cstate="print">
+          <a:blip r:embed="rId6" cstate="print">
             <a:clrChange>
               <a:clrFrom>
                 <a:srgbClr val="FEFEFE"/>
@@ -7599,6 +7548,7 @@
           <a:p>
             <a:fld id="{49AE70B2-8BF9-45C0-BB95-33D1B9D3A854}" type="slidenum">
               <a:rPr lang="zh-CN" altLang="en-US" smtClean="0"/>
+              <a:t>14</a:t>
             </a:fld>
             <a:endParaRPr lang="zh-CN" altLang="en-US"/>
           </a:p>
@@ -7669,12 +7619,12 @@
           <a:bodyPr wrap="square" rtlCol="0">
             <a:noAutofit/>
           </a:bodyPr>
+          <a:lstStyle/>
           <a:p>
             <a:r>
               <a:rPr lang="en-US" altLang="zh-CN" sz="3600"/>
               <a:t>How do we instruct a model?</a:t>
             </a:r>
-            <a:endParaRPr lang="en-US" altLang="zh-CN" sz="3600"/>
           </a:p>
           <a:p>
             <a:endParaRPr lang="en-US" altLang="zh-CN" sz="3600"/>
@@ -7710,7 +7660,6 @@
               <a:rPr lang="en-US" altLang="zh-CN" sz="2800"/>
               <a:t> everything.</a:t>
             </a:r>
-            <a:endParaRPr lang="en-US" altLang="zh-CN" sz="2800"/>
           </a:p>
           <a:p>
             <a:endParaRPr lang="en-US" altLang="zh-CN" sz="2800"/>
@@ -7729,7 +7678,7 @@
           <p:nvPr/>
         </p:nvPicPr>
         <p:blipFill>
-          <a:blip r:embed="rId5"/>
+          <a:blip r:embed="rId7"/>
           <a:stretch>
             <a:fillRect/>
           </a:stretch>
@@ -7752,13 +7701,6 @@
   <p:transition spd="med">
     <p:fade/>
   </p:transition>
-  <p:timing>
-    <p:tnLst>
-      <p:par>
-        <p:cTn id="1" dur="indefinite" restart="never" nodeType="tmRoot"/>
-      </p:par>
-    </p:tnLst>
-  </p:timing>
 </p:sld>
 </file>
 
@@ -7788,11 +7730,11 @@
           <p:nvPr/>
         </p:nvPicPr>
         <p:blipFill>
-          <a:blip r:embed="rId1" cstate="screen">
+          <a:blip r:embed="rId3" cstate="screen">
             <a:extLst>
               <a:ext uri="{BEBA8EAE-BF5A-486C-A8C5-ECC9F3942E4B}">
                 <a14:imgProps xmlns:a14="http://schemas.microsoft.com/office/drawing/2010/main">
-                  <a14:imgLayer r:embed="rId2">
+                  <a14:imgLayer r:embed="rId4">
                     <a14:imgEffect>
                       <a14:saturation sat="200000"/>
                     </a14:imgEffect>
@@ -7824,7 +7766,7 @@
           <p:nvPr/>
         </p:nvPicPr>
         <p:blipFill>
-          <a:blip r:embed="rId3" cstate="print">
+          <a:blip r:embed="rId5" cstate="print">
             <a:extLst>
               <a:ext uri="{28A0092B-C50C-407E-A947-70E740481C1C}">
                 <a14:useLocalDpi xmlns:a14="http://schemas.microsoft.com/office/drawing/2010/main" val="0"/>
@@ -7865,7 +7807,7 @@
           <p:nvPr/>
         </p:nvPicPr>
         <p:blipFill>
-          <a:blip r:embed="rId4" cstate="print">
+          <a:blip r:embed="rId6" cstate="print">
             <a:clrChange>
               <a:clrFrom>
                 <a:srgbClr val="FEFEFE"/>
@@ -7913,6 +7855,7 @@
           <a:p>
             <a:fld id="{49AE70B2-8BF9-45C0-BB95-33D1B9D3A854}" type="slidenum">
               <a:rPr lang="zh-CN" altLang="en-US" smtClean="0"/>
+              <a:t>15</a:t>
             </a:fld>
             <a:endParaRPr lang="zh-CN" altLang="en-US"/>
           </a:p>
@@ -7983,12 +7926,12 @@
           <a:bodyPr wrap="square" rtlCol="0">
             <a:noAutofit/>
           </a:bodyPr>
+          <a:lstStyle/>
           <a:p>
             <a:r>
               <a:rPr lang="en-US" altLang="zh-CN" sz="3600"/>
               <a:t>How do we use an instructed model?</a:t>
             </a:r>
-            <a:endParaRPr lang="en-US" altLang="zh-CN" sz="3600"/>
           </a:p>
           <a:p>
             <a:endParaRPr lang="en-US" altLang="zh-CN" sz="3600"/>
@@ -8022,7 +7965,7 @@
           <p:nvPr/>
         </p:nvPicPr>
         <p:blipFill>
-          <a:blip r:embed="rId5"/>
+          <a:blip r:embed="rId7"/>
           <a:stretch>
             <a:fillRect/>
           </a:stretch>
@@ -8045,13 +7988,6 @@
   <p:transition spd="med">
     <p:fade/>
   </p:transition>
-  <p:timing>
-    <p:tnLst>
-      <p:par>
-        <p:cTn id="1" dur="indefinite" restart="never" nodeType="tmRoot"/>
-      </p:par>
-    </p:tnLst>
-  </p:timing>
 </p:sld>
 </file>
 
@@ -8081,11 +8017,11 @@
           <p:nvPr/>
         </p:nvPicPr>
         <p:blipFill>
-          <a:blip r:embed="rId1" cstate="screen">
+          <a:blip r:embed="rId3" cstate="screen">
             <a:extLst>
               <a:ext uri="{BEBA8EAE-BF5A-486C-A8C5-ECC9F3942E4B}">
                 <a14:imgProps xmlns:a14="http://schemas.microsoft.com/office/drawing/2010/main">
-                  <a14:imgLayer r:embed="rId2">
+                  <a14:imgLayer r:embed="rId4">
                     <a14:imgEffect>
                       <a14:saturation sat="200000"/>
                     </a14:imgEffect>
@@ -8117,7 +8053,7 @@
           <p:nvPr/>
         </p:nvPicPr>
         <p:blipFill>
-          <a:blip r:embed="rId3" cstate="print">
+          <a:blip r:embed="rId5" cstate="print">
             <a:extLst>
               <a:ext uri="{28A0092B-C50C-407E-A947-70E740481C1C}">
                 <a14:useLocalDpi xmlns:a14="http://schemas.microsoft.com/office/drawing/2010/main" val="0"/>
@@ -8158,7 +8094,7 @@
           <p:nvPr/>
         </p:nvPicPr>
         <p:blipFill>
-          <a:blip r:embed="rId4" cstate="print">
+          <a:blip r:embed="rId6" cstate="print">
             <a:clrChange>
               <a:clrFrom>
                 <a:srgbClr val="FEFEFE"/>
@@ -8206,6 +8142,7 @@
           <a:p>
             <a:fld id="{49AE70B2-8BF9-45C0-BB95-33D1B9D3A854}" type="slidenum">
               <a:rPr lang="zh-CN" altLang="en-US" smtClean="0"/>
+              <a:t>16</a:t>
             </a:fld>
             <a:endParaRPr lang="zh-CN" altLang="en-US"/>
           </a:p>
@@ -8276,12 +8213,12 @@
           <a:bodyPr wrap="square" rtlCol="0">
             <a:noAutofit/>
           </a:bodyPr>
+          <a:lstStyle/>
           <a:p>
             <a:r>
               <a:rPr lang="en-US" altLang="zh-CN" sz="3600"/>
               <a:t>Reinforcement Learning with pre-training?</a:t>
             </a:r>
-            <a:endParaRPr lang="en-US" altLang="zh-CN" sz="3600"/>
           </a:p>
           <a:p>
             <a:endParaRPr lang="en-US" altLang="zh-CN" sz="3600"/>
@@ -8291,7 +8228,6 @@
               <a:rPr lang="en-US" altLang="zh-CN" sz="2800"/>
               <a:t>Deep Learning vs Reinforcement Learning</a:t>
             </a:r>
-            <a:endParaRPr lang="en-US" altLang="zh-CN" sz="2800"/>
           </a:p>
           <a:p>
             <a:endParaRPr lang="en-US" altLang="zh-CN" sz="2800"/>
@@ -8301,14 +8237,12 @@
               <a:rPr lang="en-US" altLang="zh-CN" sz="2800"/>
               <a:t>Deep Learning: Label as Supervision </a:t>
             </a:r>
-            <a:endParaRPr lang="en-US" altLang="zh-CN" sz="2800"/>
           </a:p>
           <a:p>
             <a:r>
               <a:rPr lang="en-US" altLang="zh-CN" sz="2800"/>
               <a:t>- Text classification, Image Generation ...</a:t>
             </a:r>
-            <a:endParaRPr lang="en-US" altLang="zh-CN" sz="2800"/>
           </a:p>
           <a:p>
             <a:endParaRPr lang="en-US" altLang="zh-CN" sz="2800"/>
@@ -8318,14 +8252,12 @@
               <a:rPr lang="en-US" altLang="zh-CN" sz="2800"/>
               <a:t>Reinforcement Learning: Reward as Supervision </a:t>
             </a:r>
-            <a:endParaRPr lang="en-US" altLang="zh-CN" sz="2800"/>
           </a:p>
           <a:p>
             <a:r>
               <a:rPr lang="en-US" altLang="zh-CN" sz="2800"/>
               <a:t>- Games, Chatbot, Autonomous Driving ...</a:t>
             </a:r>
-            <a:endParaRPr lang="en-US" altLang="zh-CN" sz="2800"/>
           </a:p>
         </p:txBody>
       </p:sp>
@@ -8337,13 +8269,6 @@
   <p:transition spd="med">
     <p:fade/>
   </p:transition>
-  <p:timing>
-    <p:tnLst>
-      <p:par>
-        <p:cTn id="1" dur="indefinite" restart="never" nodeType="tmRoot"/>
-      </p:par>
-    </p:tnLst>
-  </p:timing>
 </p:sld>
 </file>
 
@@ -8373,11 +8298,11 @@
           <p:nvPr/>
         </p:nvPicPr>
         <p:blipFill>
-          <a:blip r:embed="rId1" cstate="screen">
+          <a:blip r:embed="rId3" cstate="screen">
             <a:extLst>
               <a:ext uri="{BEBA8EAE-BF5A-486C-A8C5-ECC9F3942E4B}">
                 <a14:imgProps xmlns:a14="http://schemas.microsoft.com/office/drawing/2010/main">
-                  <a14:imgLayer r:embed="rId2">
+                  <a14:imgLayer r:embed="rId4">
                     <a14:imgEffect>
                       <a14:saturation sat="200000"/>
                     </a14:imgEffect>
@@ -8409,7 +8334,7 @@
           <p:nvPr/>
         </p:nvPicPr>
         <p:blipFill>
-          <a:blip r:embed="rId3" cstate="print">
+          <a:blip r:embed="rId5" cstate="print">
             <a:extLst>
               <a:ext uri="{28A0092B-C50C-407E-A947-70E740481C1C}">
                 <a14:useLocalDpi xmlns:a14="http://schemas.microsoft.com/office/drawing/2010/main" val="0"/>
@@ -8450,7 +8375,7 @@
           <p:nvPr/>
         </p:nvPicPr>
         <p:blipFill>
-          <a:blip r:embed="rId4" cstate="print">
+          <a:blip r:embed="rId6" cstate="print">
             <a:clrChange>
               <a:clrFrom>
                 <a:srgbClr val="FEFEFE"/>
@@ -8498,6 +8423,7 @@
           <a:p>
             <a:fld id="{49AE70B2-8BF9-45C0-BB95-33D1B9D3A854}" type="slidenum">
               <a:rPr lang="zh-CN" altLang="en-US" smtClean="0"/>
+              <a:t>17</a:t>
             </a:fld>
             <a:endParaRPr lang="zh-CN" altLang="en-US"/>
           </a:p>
@@ -8568,12 +8494,12 @@
           <a:bodyPr wrap="square" rtlCol="0">
             <a:noAutofit/>
           </a:bodyPr>
+          <a:lstStyle/>
           <a:p>
             <a:r>
               <a:rPr lang="en-US" altLang="zh-CN" sz="3600"/>
               <a:t>Reinforcement Learning with pre-training?</a:t>
             </a:r>
-            <a:endParaRPr lang="en-US" altLang="zh-CN" sz="3600"/>
           </a:p>
           <a:p>
             <a:endParaRPr lang="en-US" altLang="zh-CN" sz="3600"/>
@@ -8583,7 +8509,6 @@
               <a:rPr lang="en-US" altLang="zh-CN" sz="2800"/>
               <a:t>Is pre-training suitable for RL?</a:t>
             </a:r>
-            <a:endParaRPr lang="en-US" altLang="zh-CN" sz="2800"/>
           </a:p>
           <a:p>
             <a:endParaRPr lang="en-US" altLang="zh-CN" sz="2800"/>
@@ -8593,28 +8518,24 @@
               <a:rPr lang="en-US" altLang="zh-CN" sz="2800"/>
               <a:t>In most cases, NO</a:t>
             </a:r>
-            <a:endParaRPr lang="en-US" altLang="zh-CN" sz="2800"/>
           </a:p>
           <a:p>
             <a:r>
               <a:rPr lang="en-US" altLang="zh-CN" sz="2800"/>
               <a:t>· Distribution gap</a:t>
             </a:r>
-            <a:endParaRPr lang="en-US" altLang="zh-CN" sz="2800"/>
           </a:p>
           <a:p>
             <a:r>
               <a:rPr lang="en-US" altLang="zh-CN" sz="2800"/>
               <a:t>· Reward is hard to get</a:t>
             </a:r>
-            <a:endParaRPr lang="en-US" altLang="zh-CN" sz="2800"/>
           </a:p>
           <a:p>
             <a:r>
               <a:rPr lang="en-US" altLang="zh-CN" sz="2800"/>
               <a:t>· Algorithm is unstable</a:t>
             </a:r>
-            <a:endParaRPr lang="en-US" altLang="zh-CN" sz="2800"/>
           </a:p>
         </p:txBody>
       </p:sp>
@@ -8626,13 +8547,6 @@
   <p:transition spd="med">
     <p:fade/>
   </p:transition>
-  <p:timing>
-    <p:tnLst>
-      <p:par>
-        <p:cTn id="1" dur="indefinite" restart="never" nodeType="tmRoot"/>
-      </p:par>
-    </p:tnLst>
-  </p:timing>
 </p:sld>
 </file>
 
@@ -8662,11 +8576,11 @@
           <p:nvPr/>
         </p:nvPicPr>
         <p:blipFill>
-          <a:blip r:embed="rId1" cstate="screen">
+          <a:blip r:embed="rId3" cstate="screen">
             <a:extLst>
               <a:ext uri="{BEBA8EAE-BF5A-486C-A8C5-ECC9F3942E4B}">
                 <a14:imgProps xmlns:a14="http://schemas.microsoft.com/office/drawing/2010/main">
-                  <a14:imgLayer r:embed="rId2">
+                  <a14:imgLayer r:embed="rId4">
                     <a14:imgEffect>
                       <a14:saturation sat="200000"/>
                     </a14:imgEffect>
@@ -8698,7 +8612,7 @@
           <p:nvPr/>
         </p:nvPicPr>
         <p:blipFill>
-          <a:blip r:embed="rId3" cstate="print">
+          <a:blip r:embed="rId5" cstate="print">
             <a:extLst>
               <a:ext uri="{28A0092B-C50C-407E-A947-70E740481C1C}">
                 <a14:useLocalDpi xmlns:a14="http://schemas.microsoft.com/office/drawing/2010/main" val="0"/>
@@ -8739,7 +8653,7 @@
           <p:nvPr/>
         </p:nvPicPr>
         <p:blipFill>
-          <a:blip r:embed="rId4" cstate="print">
+          <a:blip r:embed="rId6" cstate="print">
             <a:clrChange>
               <a:clrFrom>
                 <a:srgbClr val="FEFEFE"/>
@@ -8787,6 +8701,7 @@
           <a:p>
             <a:fld id="{49AE70B2-8BF9-45C0-BB95-33D1B9D3A854}" type="slidenum">
               <a:rPr lang="zh-CN" altLang="en-US" smtClean="0"/>
+              <a:t>18</a:t>
             </a:fld>
             <a:endParaRPr lang="zh-CN" altLang="en-US"/>
           </a:p>
@@ -8846,7 +8761,7 @@
           <p:nvPr/>
         </p:nvPicPr>
         <p:blipFill>
-          <a:blip r:embed="rId5"/>
+          <a:blip r:embed="rId7"/>
           <a:stretch>
             <a:fillRect/>
           </a:stretch>
@@ -8869,13 +8784,6 @@
   <p:transition spd="med">
     <p:fade/>
   </p:transition>
-  <p:timing>
-    <p:tnLst>
-      <p:par>
-        <p:cTn id="1" dur="indefinite" restart="never" nodeType="tmRoot"/>
-      </p:par>
-    </p:tnLst>
-  </p:timing>
 </p:sld>
 </file>
 
@@ -8905,11 +8813,11 @@
           <p:nvPr/>
         </p:nvPicPr>
         <p:blipFill>
-          <a:blip r:embed="rId1" cstate="screen">
+          <a:blip r:embed="rId3" cstate="screen">
             <a:extLst>
               <a:ext uri="{BEBA8EAE-BF5A-486C-A8C5-ECC9F3942E4B}">
                 <a14:imgProps xmlns:a14="http://schemas.microsoft.com/office/drawing/2010/main">
-                  <a14:imgLayer r:embed="rId2">
+                  <a14:imgLayer r:embed="rId4">
                     <a14:imgEffect>
                       <a14:saturation sat="200000"/>
                     </a14:imgEffect>
@@ -8941,7 +8849,7 @@
           <p:nvPr/>
         </p:nvPicPr>
         <p:blipFill>
-          <a:blip r:embed="rId3" cstate="print">
+          <a:blip r:embed="rId5" cstate="print">
             <a:extLst>
               <a:ext uri="{28A0092B-C50C-407E-A947-70E740481C1C}">
                 <a14:useLocalDpi xmlns:a14="http://schemas.microsoft.com/office/drawing/2010/main" val="0"/>
@@ -8982,7 +8890,7 @@
           <p:nvPr/>
         </p:nvPicPr>
         <p:blipFill>
-          <a:blip r:embed="rId4" cstate="print">
+          <a:blip r:embed="rId6" cstate="print">
             <a:clrChange>
               <a:clrFrom>
                 <a:srgbClr val="FEFEFE"/>
@@ -9030,6 +8938,7 @@
           <a:p>
             <a:fld id="{49AE70B2-8BF9-45C0-BB95-33D1B9D3A854}" type="slidenum">
               <a:rPr lang="zh-CN" altLang="en-US" smtClean="0"/>
+              <a:t>19</a:t>
             </a:fld>
             <a:endParaRPr lang="zh-CN" altLang="en-US"/>
           </a:p>
@@ -9100,12 +9009,12 @@
           <a:bodyPr wrap="square" rtlCol="0">
             <a:spAutoFit/>
           </a:bodyPr>
+          <a:lstStyle/>
           <a:p>
             <a:r>
               <a:rPr lang="en-US" altLang="zh-CN" sz="3600"/>
               <a:t>How shall we incorporate RL with pre-trained models?</a:t>
             </a:r>
-            <a:endParaRPr lang="en-US" altLang="zh-CN" sz="3600"/>
           </a:p>
         </p:txBody>
       </p:sp>
@@ -9118,7 +9027,7 @@
           <p:nvPr/>
         </p:nvPicPr>
         <p:blipFill>
-          <a:blip r:embed="rId5"/>
+          <a:blip r:embed="rId7"/>
           <a:stretch>
             <a:fillRect/>
           </a:stretch>
@@ -9141,13 +9050,6 @@
   <p:transition spd="med">
     <p:fade/>
   </p:transition>
-  <p:timing>
-    <p:tnLst>
-      <p:par>
-        <p:cTn id="1" dur="indefinite" restart="never" nodeType="tmRoot"/>
-      </p:par>
-    </p:tnLst>
-  </p:timing>
 </p:sld>
 </file>
 
@@ -9177,11 +9079,11 @@
           <p:nvPr/>
         </p:nvPicPr>
         <p:blipFill>
-          <a:blip r:embed="rId1" cstate="screen">
+          <a:blip r:embed="rId3" cstate="screen">
             <a:extLst>
               <a:ext uri="{BEBA8EAE-BF5A-486C-A8C5-ECC9F3942E4B}">
                 <a14:imgProps xmlns:a14="http://schemas.microsoft.com/office/drawing/2010/main">
-                  <a14:imgLayer r:embed="rId2">
+                  <a14:imgLayer r:embed="rId4">
                     <a14:imgEffect>
                       <a14:saturation sat="200000"/>
                     </a14:imgEffect>
@@ -9213,7 +9115,7 @@
           <p:nvPr/>
         </p:nvPicPr>
         <p:blipFill>
-          <a:blip r:embed="rId3" cstate="print">
+          <a:blip r:embed="rId5" cstate="print">
             <a:extLst>
               <a:ext uri="{28A0092B-C50C-407E-A947-70E740481C1C}">
                 <a14:useLocalDpi xmlns:a14="http://schemas.microsoft.com/office/drawing/2010/main" val="0"/>
@@ -9254,7 +9156,7 @@
           <p:nvPr/>
         </p:nvPicPr>
         <p:blipFill>
-          <a:blip r:embed="rId4" cstate="print">
+          <a:blip r:embed="rId6" cstate="print">
             <a:clrChange>
               <a:clrFrom>
                 <a:srgbClr val="FEFEFE"/>
@@ -9302,6 +9204,7 @@
           <a:p>
             <a:fld id="{49AE70B2-8BF9-45C0-BB95-33D1B9D3A854}" type="slidenum">
               <a:rPr lang="zh-CN" altLang="en-US" smtClean="0"/>
+              <a:t>2</a:t>
             </a:fld>
             <a:endParaRPr lang="zh-CN" altLang="en-US"/>
           </a:p>
@@ -9361,7 +9264,7 @@
           <p:nvPr/>
         </p:nvPicPr>
         <p:blipFill>
-          <a:blip r:embed="rId5"/>
+          <a:blip r:embed="rId7"/>
           <a:stretch>
             <a:fillRect/>
           </a:stretch>
@@ -9421,7 +9324,6 @@
               <a:rPr lang="en-US" altLang="zh-CN" sz="4000"/>
               <a:t>Tendency of model size: A new moore's law?</a:t>
             </a:r>
-            <a:endParaRPr lang="en-US" altLang="zh-CN" sz="4000"/>
           </a:p>
         </p:txBody>
       </p:sp>
@@ -9433,13 +9335,6 @@
   <p:transition spd="med">
     <p:fade/>
   </p:transition>
-  <p:timing>
-    <p:tnLst>
-      <p:par>
-        <p:cTn id="1" dur="indefinite" restart="never" nodeType="tmRoot"/>
-      </p:par>
-    </p:tnLst>
-  </p:timing>
 </p:sld>
 </file>
 
@@ -9469,11 +9364,11 @@
           <p:nvPr/>
         </p:nvPicPr>
         <p:blipFill>
-          <a:blip r:embed="rId1" cstate="screen">
+          <a:blip r:embed="rId3" cstate="screen">
             <a:extLst>
               <a:ext uri="{BEBA8EAE-BF5A-486C-A8C5-ECC9F3942E4B}">
                 <a14:imgProps xmlns:a14="http://schemas.microsoft.com/office/drawing/2010/main">
-                  <a14:imgLayer r:embed="rId2">
+                  <a14:imgLayer r:embed="rId4">
                     <a14:imgEffect>
                       <a14:saturation sat="200000"/>
                     </a14:imgEffect>
@@ -9505,7 +9400,7 @@
           <p:nvPr/>
         </p:nvPicPr>
         <p:blipFill>
-          <a:blip r:embed="rId3" cstate="print">
+          <a:blip r:embed="rId5" cstate="print">
             <a:extLst>
               <a:ext uri="{28A0092B-C50C-407E-A947-70E740481C1C}">
                 <a14:useLocalDpi xmlns:a14="http://schemas.microsoft.com/office/drawing/2010/main" val="0"/>
@@ -9546,7 +9441,7 @@
           <p:nvPr/>
         </p:nvPicPr>
         <p:blipFill>
-          <a:blip r:embed="rId4" cstate="print">
+          <a:blip r:embed="rId6" cstate="print">
             <a:clrChange>
               <a:clrFrom>
                 <a:srgbClr val="FEFEFE"/>
@@ -9594,6 +9489,7 @@
           <a:p>
             <a:fld id="{49AE70B2-8BF9-45C0-BB95-33D1B9D3A854}" type="slidenum">
               <a:rPr lang="zh-CN" altLang="en-US" smtClean="0"/>
+              <a:t>20</a:t>
             </a:fld>
             <a:endParaRPr lang="zh-CN" altLang="en-US"/>
           </a:p>
@@ -9664,12 +9560,12 @@
           <a:bodyPr wrap="square" rtlCol="0">
             <a:spAutoFit/>
           </a:bodyPr>
+          <a:lstStyle/>
           <a:p>
             <a:r>
               <a:rPr lang="en-US" altLang="zh-CN" sz="3600"/>
               <a:t>What can pre-trained models do?</a:t>
             </a:r>
-            <a:endParaRPr lang="en-US" altLang="zh-CN" sz="3600"/>
           </a:p>
         </p:txBody>
       </p:sp>
@@ -9682,7 +9578,7 @@
           <p:nvPr/>
         </p:nvPicPr>
         <p:blipFill>
-          <a:blip r:embed="rId5"/>
+          <a:blip r:embed="rId7"/>
           <a:stretch>
             <a:fillRect/>
           </a:stretch>
@@ -9705,13 +9601,6 @@
   <p:transition spd="med">
     <p:fade/>
   </p:transition>
-  <p:timing>
-    <p:tnLst>
-      <p:par>
-        <p:cTn id="1" dur="indefinite" restart="never" nodeType="tmRoot"/>
-      </p:par>
-    </p:tnLst>
-  </p:timing>
 </p:sld>
 </file>
 
@@ -9741,11 +9630,11 @@
           <p:nvPr/>
         </p:nvPicPr>
         <p:blipFill>
-          <a:blip r:embed="rId1" cstate="screen">
+          <a:blip r:embed="rId3" cstate="screen">
             <a:extLst>
               <a:ext uri="{BEBA8EAE-BF5A-486C-A8C5-ECC9F3942E4B}">
                 <a14:imgProps xmlns:a14="http://schemas.microsoft.com/office/drawing/2010/main">
-                  <a14:imgLayer r:embed="rId2">
+                  <a14:imgLayer r:embed="rId4">
                     <a14:imgEffect>
                       <a14:saturation sat="200000"/>
                     </a14:imgEffect>
@@ -9777,7 +9666,7 @@
           <p:nvPr/>
         </p:nvPicPr>
         <p:blipFill>
-          <a:blip r:embed="rId3" cstate="print">
+          <a:blip r:embed="rId5" cstate="print">
             <a:extLst>
               <a:ext uri="{28A0092B-C50C-407E-A947-70E740481C1C}">
                 <a14:useLocalDpi xmlns:a14="http://schemas.microsoft.com/office/drawing/2010/main" val="0"/>
@@ -9818,7 +9707,7 @@
           <p:nvPr/>
         </p:nvPicPr>
         <p:blipFill>
-          <a:blip r:embed="rId4" cstate="print">
+          <a:blip r:embed="rId6" cstate="print">
             <a:clrChange>
               <a:clrFrom>
                 <a:srgbClr val="FEFEFE"/>
@@ -9866,6 +9755,7 @@
           <a:p>
             <a:fld id="{49AE70B2-8BF9-45C0-BB95-33D1B9D3A854}" type="slidenum">
               <a:rPr lang="zh-CN" altLang="en-US" smtClean="0"/>
+              <a:t>21</a:t>
             </a:fld>
             <a:endParaRPr lang="zh-CN" altLang="en-US"/>
           </a:p>
@@ -9936,12 +9826,12 @@
           <a:bodyPr wrap="square" rtlCol="0">
             <a:spAutoFit/>
           </a:bodyPr>
+          <a:lstStyle/>
           <a:p>
             <a:r>
               <a:rPr lang="en-US" altLang="zh-CN" sz="3600"/>
               <a:t>What can we do after pre-trained models?</a:t>
             </a:r>
-            <a:endParaRPr lang="en-US" altLang="zh-CN" sz="3600"/>
           </a:p>
         </p:txBody>
       </p:sp>
@@ -9965,6 +9855,7 @@
           <a:bodyPr wrap="square" rtlCol="0" anchor="t">
             <a:noAutofit/>
           </a:bodyPr>
+          <a:lstStyle/>
           <a:p>
             <a:r>
               <a:rPr lang="en-US" altLang="zh-CN" sz="2800"/>
@@ -9974,7 +9865,6 @@
               <a:rPr lang="zh-CN" altLang="en-US" sz="2800"/>
               <a:t>controllable？</a:t>
             </a:r>
-            <a:endParaRPr lang="zh-CN" altLang="en-US" sz="2800"/>
           </a:p>
           <a:p>
             <a:endParaRPr lang="zh-CN" altLang="en-US" sz="2800">
@@ -10021,6 +9911,7 @@
           <a:bodyPr wrap="square" rtlCol="0">
             <a:spAutoFit/>
           </a:bodyPr>
+          <a:lstStyle/>
           <a:p>
             <a:r>
               <a:rPr lang="en-US" altLang="zh-CN" sz="2400"/>
@@ -10030,7 +9921,6 @@
               <a:rPr lang="zh-CN" altLang="en-US" sz="2400"/>
               <a:t>你好！</a:t>
             </a:r>
-            <a:endParaRPr lang="zh-CN" altLang="en-US" sz="2400"/>
           </a:p>
           <a:p>
             <a:r>
@@ -10041,7 +9931,6 @@
               <a:rPr lang="zh-CN" altLang="en-US" sz="2400"/>
               <a:t>你好！</a:t>
             </a:r>
-            <a:endParaRPr lang="zh-CN" altLang="en-US" sz="2400"/>
           </a:p>
           <a:p>
             <a:r>
@@ -10052,7 +9941,6 @@
               <a:rPr lang="zh-CN" altLang="en-US" sz="2400"/>
               <a:t>能听懂中文吗？</a:t>
             </a:r>
-            <a:endParaRPr lang="zh-CN" altLang="en-US" sz="2400"/>
           </a:p>
           <a:p>
             <a:r>
@@ -10063,7 +9951,6 @@
               <a:rPr lang="zh-CN" altLang="en-US" sz="2400"/>
               <a:t>能听懂中文！</a:t>
             </a:r>
-            <a:endParaRPr lang="zh-CN" altLang="en-US" sz="2400"/>
           </a:p>
         </p:txBody>
       </p:sp>
@@ -10087,6 +9974,7 @@
           <a:bodyPr wrap="square" rtlCol="0">
             <a:spAutoFit/>
           </a:bodyPr>
+          <a:lstStyle/>
           <a:p>
             <a:r>
               <a:rPr lang="en-US" altLang="zh-CN" sz="2400"/>
@@ -10104,7 +9992,6 @@
               <a:rPr lang="zh-CN" altLang="en-US" sz="2400"/>
               <a:t>吗？</a:t>
             </a:r>
-            <a:endParaRPr lang="zh-CN" altLang="en-US" sz="2400"/>
           </a:p>
           <a:p>
             <a:r>
@@ -10119,7 +10006,6 @@
               <a:rPr lang="en-US" altLang="zh-CN" sz="2400"/>
               <a:t>AI!</a:t>
             </a:r>
-            <a:endParaRPr lang="en-US" altLang="zh-CN" sz="2400"/>
           </a:p>
           <a:p>
             <a:r>
@@ -10140,9 +10026,6 @@
               </a:rPr>
               <a:t>!</a:t>
             </a:r>
-            <a:endParaRPr lang="en-US" altLang="zh-CN" sz="2400">
-              <a:sym typeface="+mn-ea"/>
-            </a:endParaRPr>
           </a:p>
           <a:p>
             <a:r>
@@ -10172,13 +10055,6 @@
   <p:transition spd="med">
     <p:fade/>
   </p:transition>
-  <p:timing>
-    <p:tnLst>
-      <p:par>
-        <p:cTn id="1" dur="indefinite" restart="never" nodeType="tmRoot"/>
-      </p:par>
-    </p:tnLst>
-  </p:timing>
 </p:sld>
 </file>
 
@@ -10208,11 +10084,11 @@
           <p:nvPr/>
         </p:nvPicPr>
         <p:blipFill>
-          <a:blip r:embed="rId1" cstate="screen">
+          <a:blip r:embed="rId3" cstate="screen">
             <a:extLst>
               <a:ext uri="{BEBA8EAE-BF5A-486C-A8C5-ECC9F3942E4B}">
                 <a14:imgProps xmlns:a14="http://schemas.microsoft.com/office/drawing/2010/main">
-                  <a14:imgLayer r:embed="rId2">
+                  <a14:imgLayer r:embed="rId4">
                     <a14:imgEffect>
                       <a14:saturation sat="200000"/>
                     </a14:imgEffect>
@@ -10244,7 +10120,7 @@
           <p:nvPr/>
         </p:nvPicPr>
         <p:blipFill>
-          <a:blip r:embed="rId3" cstate="print">
+          <a:blip r:embed="rId5" cstate="print">
             <a:extLst>
               <a:ext uri="{28A0092B-C50C-407E-A947-70E740481C1C}">
                 <a14:useLocalDpi xmlns:a14="http://schemas.microsoft.com/office/drawing/2010/main" val="0"/>
@@ -10285,7 +10161,7 @@
           <p:nvPr/>
         </p:nvPicPr>
         <p:blipFill>
-          <a:blip r:embed="rId4" cstate="print">
+          <a:blip r:embed="rId6" cstate="print">
             <a:clrChange>
               <a:clrFrom>
                 <a:srgbClr val="FEFEFE"/>
@@ -10333,6 +10209,7 @@
           <a:p>
             <a:fld id="{49AE70B2-8BF9-45C0-BB95-33D1B9D3A854}" type="slidenum">
               <a:rPr lang="zh-CN" altLang="en-US" smtClean="0"/>
+              <a:t>22</a:t>
             </a:fld>
             <a:endParaRPr lang="zh-CN" altLang="en-US"/>
           </a:p>
@@ -10403,12 +10280,12 @@
           <a:bodyPr wrap="square" rtlCol="0">
             <a:spAutoFit/>
           </a:bodyPr>
+          <a:lstStyle/>
           <a:p>
             <a:r>
               <a:rPr lang="en-US" altLang="zh-CN" sz="3600"/>
               <a:t>What can we do after pre-trained models?</a:t>
             </a:r>
-            <a:endParaRPr lang="en-US" altLang="zh-CN" sz="3600"/>
           </a:p>
         </p:txBody>
       </p:sp>
@@ -10432,6 +10309,7 @@
           <a:bodyPr wrap="square" rtlCol="0" anchor="t">
             <a:noAutofit/>
           </a:bodyPr>
+          <a:lstStyle/>
           <a:p>
             <a:r>
               <a:rPr lang="en-US" altLang="zh-CN" sz="2800"/>
@@ -10471,7 +10349,7 @@
           <p:nvPr/>
         </p:nvPicPr>
         <p:blipFill>
-          <a:blip r:embed="rId5"/>
+          <a:blip r:embed="rId7"/>
           <a:stretch>
             <a:fillRect/>
           </a:stretch>
@@ -10494,13 +10372,6 @@
   <p:transition spd="med">
     <p:fade/>
   </p:transition>
-  <p:timing>
-    <p:tnLst>
-      <p:par>
-        <p:cTn id="1" dur="indefinite" restart="never" nodeType="tmRoot"/>
-      </p:par>
-    </p:tnLst>
-  </p:timing>
 </p:sld>
 </file>
 
@@ -10530,11 +10401,11 @@
           <p:nvPr/>
         </p:nvPicPr>
         <p:blipFill>
-          <a:blip r:embed="rId1" cstate="screen">
+          <a:blip r:embed="rId3" cstate="screen">
             <a:extLst>
               <a:ext uri="{BEBA8EAE-BF5A-486C-A8C5-ECC9F3942E4B}">
                 <a14:imgProps xmlns:a14="http://schemas.microsoft.com/office/drawing/2010/main">
-                  <a14:imgLayer r:embed="rId2">
+                  <a14:imgLayer r:embed="rId4">
                     <a14:imgEffect>
                       <a14:saturation sat="200000"/>
                     </a14:imgEffect>
@@ -10566,7 +10437,7 @@
           <p:nvPr/>
         </p:nvPicPr>
         <p:blipFill>
-          <a:blip r:embed="rId3" cstate="print">
+          <a:blip r:embed="rId5" cstate="print">
             <a:extLst>
               <a:ext uri="{28A0092B-C50C-407E-A947-70E740481C1C}">
                 <a14:useLocalDpi xmlns:a14="http://schemas.microsoft.com/office/drawing/2010/main" val="0"/>
@@ -10607,7 +10478,7 @@
           <p:nvPr/>
         </p:nvPicPr>
         <p:blipFill>
-          <a:blip r:embed="rId4" cstate="print">
+          <a:blip r:embed="rId6" cstate="print">
             <a:clrChange>
               <a:clrFrom>
                 <a:srgbClr val="FEFEFE"/>
@@ -10655,6 +10526,7 @@
           <a:p>
             <a:fld id="{49AE70B2-8BF9-45C0-BB95-33D1B9D3A854}" type="slidenum">
               <a:rPr lang="zh-CN" altLang="en-US" smtClean="0"/>
+              <a:t>23</a:t>
             </a:fld>
             <a:endParaRPr lang="zh-CN" altLang="en-US"/>
           </a:p>
@@ -10725,12 +10597,12 @@
           <a:bodyPr wrap="square" rtlCol="0">
             <a:spAutoFit/>
           </a:bodyPr>
+          <a:lstStyle/>
           <a:p>
             <a:r>
               <a:rPr lang="en-US" altLang="zh-CN" sz="3600"/>
               <a:t>What can we do after pre-trained models?</a:t>
             </a:r>
-            <a:endParaRPr lang="en-US" altLang="zh-CN" sz="3600"/>
           </a:p>
         </p:txBody>
       </p:sp>
@@ -10754,6 +10626,7 @@
           <a:bodyPr wrap="square" rtlCol="0" anchor="t">
             <a:noAutofit/>
           </a:bodyPr>
+          <a:lstStyle/>
           <a:p>
             <a:r>
               <a:rPr lang="en-US" altLang="zh-CN" sz="2800"/>
@@ -10763,7 +10636,6 @@
               <a:rPr lang="zh-CN" altLang="en-US" sz="2800"/>
               <a:t>？</a:t>
             </a:r>
-            <a:endParaRPr lang="zh-CN" altLang="en-US" sz="2800"/>
           </a:p>
           <a:p>
             <a:endParaRPr lang="zh-CN" altLang="en-US" sz="2800"/>
@@ -10779,7 +10651,7 @@
           <p:nvPr/>
         </p:nvPicPr>
         <p:blipFill>
-          <a:blip r:embed="rId5"/>
+          <a:blip r:embed="rId7"/>
           <a:stretch>
             <a:fillRect/>
           </a:stretch>
@@ -10802,13 +10674,6 @@
   <p:transition spd="med">
     <p:fade/>
   </p:transition>
-  <p:timing>
-    <p:tnLst>
-      <p:par>
-        <p:cTn id="1" dur="indefinite" restart="never" nodeType="tmRoot"/>
-      </p:par>
-    </p:tnLst>
-  </p:timing>
 </p:sld>
 </file>
 
@@ -10838,11 +10703,11 @@
           <p:nvPr/>
         </p:nvPicPr>
         <p:blipFill>
-          <a:blip r:embed="rId1" cstate="screen">
+          <a:blip r:embed="rId3" cstate="screen">
             <a:extLst>
               <a:ext uri="{BEBA8EAE-BF5A-486C-A8C5-ECC9F3942E4B}">
                 <a14:imgProps xmlns:a14="http://schemas.microsoft.com/office/drawing/2010/main">
-                  <a14:imgLayer r:embed="rId2">
+                  <a14:imgLayer r:embed="rId4">
                     <a14:imgEffect>
                       <a14:saturation sat="200000"/>
                     </a14:imgEffect>
@@ -10874,7 +10739,7 @@
           <p:nvPr/>
         </p:nvPicPr>
         <p:blipFill>
-          <a:blip r:embed="rId3" cstate="print">
+          <a:blip r:embed="rId5" cstate="print">
             <a:extLst>
               <a:ext uri="{28A0092B-C50C-407E-A947-70E740481C1C}">
                 <a14:useLocalDpi xmlns:a14="http://schemas.microsoft.com/office/drawing/2010/main" val="0"/>
@@ -10915,7 +10780,7 @@
           <p:nvPr/>
         </p:nvPicPr>
         <p:blipFill>
-          <a:blip r:embed="rId4" cstate="print">
+          <a:blip r:embed="rId6" cstate="print">
             <a:clrChange>
               <a:clrFrom>
                 <a:srgbClr val="FEFEFE"/>
@@ -10963,6 +10828,7 @@
           <a:p>
             <a:fld id="{49AE70B2-8BF9-45C0-BB95-33D1B9D3A854}" type="slidenum">
               <a:rPr lang="zh-CN" altLang="en-US" smtClean="0"/>
+              <a:t>24</a:t>
             </a:fld>
             <a:endParaRPr lang="zh-CN" altLang="en-US"/>
           </a:p>
@@ -11033,12 +10899,12 @@
           <a:bodyPr wrap="square" rtlCol="0">
             <a:spAutoFit/>
           </a:bodyPr>
+          <a:lstStyle/>
           <a:p>
             <a:r>
               <a:rPr lang="en-US" altLang="zh-CN" sz="3600"/>
               <a:t>What can we do after pre-trained models?</a:t>
             </a:r>
-            <a:endParaRPr lang="en-US" altLang="zh-CN" sz="3600"/>
           </a:p>
         </p:txBody>
       </p:sp>
@@ -11062,12 +10928,12 @@
           <a:bodyPr wrap="square" rtlCol="0" anchor="t">
             <a:noAutofit/>
           </a:bodyPr>
+          <a:lstStyle/>
           <a:p>
             <a:r>
               <a:rPr lang="en-US" altLang="zh-CN" sz="2800"/>
               <a:t>How to avoid adversarial sample’s effect on AI models?</a:t>
             </a:r>
-            <a:endParaRPr lang="en-US" altLang="zh-CN" sz="2800"/>
           </a:p>
           <a:p>
             <a:endParaRPr lang="en-US" altLang="zh-CN" sz="2800"/>
@@ -11103,7 +10969,7 @@
           <p:nvPr/>
         </p:nvPicPr>
         <p:blipFill>
-          <a:blip r:embed="rId5"/>
+          <a:blip r:embed="rId7"/>
           <a:stretch>
             <a:fillRect/>
           </a:stretch>
@@ -11126,13 +10992,6 @@
   <p:transition spd="med">
     <p:fade/>
   </p:transition>
-  <p:timing>
-    <p:tnLst>
-      <p:par>
-        <p:cTn id="1" dur="indefinite" restart="never" nodeType="tmRoot"/>
-      </p:par>
-    </p:tnLst>
-  </p:timing>
 </p:sld>
 </file>
 
@@ -11162,11 +11021,11 @@
           <p:nvPr/>
         </p:nvPicPr>
         <p:blipFill>
-          <a:blip r:embed="rId1" cstate="screen">
+          <a:blip r:embed="rId3" cstate="screen">
             <a:extLst>
               <a:ext uri="{BEBA8EAE-BF5A-486C-A8C5-ECC9F3942E4B}">
                 <a14:imgProps xmlns:a14="http://schemas.microsoft.com/office/drawing/2010/main">
-                  <a14:imgLayer r:embed="rId2">
+                  <a14:imgLayer r:embed="rId4">
                     <a14:imgEffect>
                       <a14:saturation sat="200000"/>
                     </a14:imgEffect>
@@ -11198,7 +11057,7 @@
           <p:nvPr/>
         </p:nvPicPr>
         <p:blipFill>
-          <a:blip r:embed="rId3" cstate="print">
+          <a:blip r:embed="rId5" cstate="print">
             <a:extLst>
               <a:ext uri="{28A0092B-C50C-407E-A947-70E740481C1C}">
                 <a14:useLocalDpi xmlns:a14="http://schemas.microsoft.com/office/drawing/2010/main" val="0"/>
@@ -11239,7 +11098,7 @@
           <p:nvPr/>
         </p:nvPicPr>
         <p:blipFill>
-          <a:blip r:embed="rId4" cstate="print">
+          <a:blip r:embed="rId6" cstate="print">
             <a:clrChange>
               <a:clrFrom>
                 <a:srgbClr val="FEFEFE"/>
@@ -11287,6 +11146,7 @@
           <a:p>
             <a:fld id="{49AE70B2-8BF9-45C0-BB95-33D1B9D3A854}" type="slidenum">
               <a:rPr lang="zh-CN" altLang="en-US" smtClean="0"/>
+              <a:t>25</a:t>
             </a:fld>
             <a:endParaRPr lang="zh-CN" altLang="en-US"/>
           </a:p>
@@ -11357,12 +11217,12 @@
           <a:bodyPr wrap="square" rtlCol="0">
             <a:spAutoFit/>
           </a:bodyPr>
+          <a:lstStyle/>
           <a:p>
             <a:r>
               <a:rPr lang="en-US" altLang="zh-CN" sz="3600"/>
               <a:t>What can we do after pre-trained models?</a:t>
             </a:r>
-            <a:endParaRPr lang="en-US" altLang="zh-CN" sz="3600"/>
           </a:p>
         </p:txBody>
       </p:sp>
@@ -11386,6 +11246,7 @@
           <a:bodyPr wrap="square" rtlCol="0" anchor="t">
             <a:noAutofit/>
           </a:bodyPr>
+          <a:lstStyle/>
           <a:p>
             <a:r>
               <a:rPr lang="en-US" altLang="zh-CN" sz="2800">
@@ -11399,21 +11260,17 @@
               </a:rPr>
               <a:t>？</a:t>
             </a:r>
+          </a:p>
+          <a:p>
             <a:endParaRPr lang="zh-CN" altLang="en-US" sz="2800">
               <a:sym typeface="+mn-ea"/>
             </a:endParaRPr>
           </a:p>
           <a:p>
-            <a:endParaRPr lang="zh-CN" altLang="en-US" sz="2800">
-              <a:sym typeface="+mn-ea"/>
-            </a:endParaRPr>
-          </a:p>
-          <a:p>
             <a:r>
               <a:rPr lang="en-US" altLang="zh-CN" sz="2800"/>
               <a:t>How to protect knowledge patent and user privacy?</a:t>
             </a:r>
-            <a:endParaRPr lang="en-US" altLang="zh-CN" sz="2800"/>
           </a:p>
           <a:p>
             <a:endParaRPr lang="en-US" altLang="zh-CN" sz="2800"/>
@@ -11437,9 +11294,6 @@
               </a:rPr>
               <a:t>?</a:t>
             </a:r>
-            <a:endParaRPr lang="en-US" altLang="zh-CN" sz="2800">
-              <a:sym typeface="+mn-ea"/>
-            </a:endParaRPr>
           </a:p>
           <a:p>
             <a:endParaRPr lang="en-US" altLang="zh-CN" sz="2800">
@@ -11476,13 +11330,6 @@
   <p:transition spd="med">
     <p:fade/>
   </p:transition>
-  <p:timing>
-    <p:tnLst>
-      <p:par>
-        <p:cTn id="1" dur="indefinite" restart="never" nodeType="tmRoot"/>
-      </p:par>
-    </p:tnLst>
-  </p:timing>
 </p:sld>
 </file>
 
@@ -11512,11 +11359,11 @@
           <p:nvPr/>
         </p:nvPicPr>
         <p:blipFill>
-          <a:blip r:embed="rId1" cstate="screen">
+          <a:blip r:embed="rId3" cstate="screen">
             <a:extLst>
               <a:ext uri="{BEBA8EAE-BF5A-486C-A8C5-ECC9F3942E4B}">
                 <a14:imgProps xmlns:a14="http://schemas.microsoft.com/office/drawing/2010/main">
-                  <a14:imgLayer r:embed="rId2">
+                  <a14:imgLayer r:embed="rId4">
                     <a14:imgEffect>
                       <a14:saturation sat="200000"/>
                     </a14:imgEffect>
@@ -11548,7 +11395,7 @@
           <p:nvPr/>
         </p:nvPicPr>
         <p:blipFill>
-          <a:blip r:embed="rId3" cstate="print">
+          <a:blip r:embed="rId5" cstate="print">
             <a:extLst>
               <a:ext uri="{28A0092B-C50C-407E-A947-70E740481C1C}">
                 <a14:useLocalDpi xmlns:a14="http://schemas.microsoft.com/office/drawing/2010/main" val="0"/>
@@ -11589,7 +11436,7 @@
           <p:nvPr/>
         </p:nvPicPr>
         <p:blipFill>
-          <a:blip r:embed="rId4" cstate="print">
+          <a:blip r:embed="rId6" cstate="print">
             <a:clrChange>
               <a:clrFrom>
                 <a:srgbClr val="FEFEFE"/>
@@ -11637,6 +11484,7 @@
           <a:p>
             <a:fld id="{49AE70B2-8BF9-45C0-BB95-33D1B9D3A854}" type="slidenum">
               <a:rPr lang="zh-CN" altLang="en-US" smtClean="0"/>
+              <a:t>26</a:t>
             </a:fld>
             <a:endParaRPr lang="zh-CN" altLang="en-US"/>
           </a:p>
@@ -11707,12 +11555,12 @@
           <a:bodyPr wrap="square" rtlCol="0">
             <a:spAutoFit/>
           </a:bodyPr>
+          <a:lstStyle/>
           <a:p>
             <a:r>
               <a:rPr lang="en-US" altLang="zh-CN" sz="3600"/>
               <a:t>Social Impact</a:t>
             </a:r>
-            <a:endParaRPr lang="en-US" altLang="zh-CN" sz="3600"/>
           </a:p>
         </p:txBody>
       </p:sp>
@@ -11736,12 +11584,12 @@
           <a:bodyPr wrap="square" rtlCol="0">
             <a:noAutofit/>
           </a:bodyPr>
+          <a:lstStyle/>
           <a:p>
             <a:r>
               <a:rPr lang="en-US" altLang="zh-CN" sz="2800"/>
               <a:t>To AI industry:</a:t>
             </a:r>
-            <a:endParaRPr lang="en-US" altLang="zh-CN" sz="2800"/>
           </a:p>
           <a:p>
             <a:endParaRPr lang="en-US" altLang="zh-CN" sz="2800"/>
@@ -11751,14 +11599,12 @@
               <a:rPr lang="en-US" altLang="zh-CN" sz="2800"/>
               <a:t>Vanishing old jobs: </a:t>
             </a:r>
-            <a:endParaRPr lang="en-US" altLang="zh-CN" sz="2800"/>
           </a:p>
           <a:p>
             <a:r>
               <a:rPr lang="en-US" altLang="zh-CN" sz="2800"/>
               <a:t>hyperparameter tuning (we have NAS), architecture designing </a:t>
             </a:r>
-            <a:endParaRPr lang="en-US" altLang="zh-CN" sz="2800"/>
           </a:p>
           <a:p>
             <a:endParaRPr lang="en-US" altLang="zh-CN" sz="2800"/>
@@ -11768,14 +11614,12 @@
               <a:rPr lang="en-US" altLang="zh-CN" sz="2800"/>
               <a:t>Emerging new jobs: </a:t>
             </a:r>
-            <a:endParaRPr lang="en-US" altLang="zh-CN" sz="2800"/>
           </a:p>
           <a:p>
             <a:r>
               <a:rPr lang="en-US" altLang="zh-CN" sz="2800"/>
               <a:t>data engineering, data collection, model prompting, model distillation</a:t>
             </a:r>
-            <a:endParaRPr lang="en-US" altLang="zh-CN" sz="2800"/>
           </a:p>
         </p:txBody>
       </p:sp>
@@ -11787,13 +11631,6 @@
   <p:transition spd="med">
     <p:fade/>
   </p:transition>
-  <p:timing>
-    <p:tnLst>
-      <p:par>
-        <p:cTn id="1" dur="indefinite" restart="never" nodeType="tmRoot"/>
-      </p:par>
-    </p:tnLst>
-  </p:timing>
 </p:sld>
 </file>
 
@@ -11823,11 +11660,11 @@
           <p:nvPr/>
         </p:nvPicPr>
         <p:blipFill>
-          <a:blip r:embed="rId1" cstate="screen">
+          <a:blip r:embed="rId3" cstate="screen">
             <a:extLst>
               <a:ext uri="{BEBA8EAE-BF5A-486C-A8C5-ECC9F3942E4B}">
                 <a14:imgProps xmlns:a14="http://schemas.microsoft.com/office/drawing/2010/main">
-                  <a14:imgLayer r:embed="rId2">
+                  <a14:imgLayer r:embed="rId4">
                     <a14:imgEffect>
                       <a14:saturation sat="200000"/>
                     </a14:imgEffect>
@@ -11859,7 +11696,7 @@
           <p:nvPr/>
         </p:nvPicPr>
         <p:blipFill>
-          <a:blip r:embed="rId3" cstate="print">
+          <a:blip r:embed="rId5" cstate="print">
             <a:extLst>
               <a:ext uri="{28A0092B-C50C-407E-A947-70E740481C1C}">
                 <a14:useLocalDpi xmlns:a14="http://schemas.microsoft.com/office/drawing/2010/main" val="0"/>
@@ -11900,7 +11737,7 @@
           <p:nvPr/>
         </p:nvPicPr>
         <p:blipFill>
-          <a:blip r:embed="rId4" cstate="print">
+          <a:blip r:embed="rId6" cstate="print">
             <a:clrChange>
               <a:clrFrom>
                 <a:srgbClr val="FEFEFE"/>
@@ -11948,6 +11785,7 @@
           <a:p>
             <a:fld id="{49AE70B2-8BF9-45C0-BB95-33D1B9D3A854}" type="slidenum">
               <a:rPr lang="zh-CN" altLang="en-US" smtClean="0"/>
+              <a:t>27</a:t>
             </a:fld>
             <a:endParaRPr lang="zh-CN" altLang="en-US"/>
           </a:p>
@@ -12018,12 +11856,12 @@
           <a:bodyPr wrap="square" rtlCol="0">
             <a:spAutoFit/>
           </a:bodyPr>
+          <a:lstStyle/>
           <a:p>
             <a:r>
               <a:rPr lang="en-US" altLang="zh-CN" sz="3600"/>
               <a:t>Social Impact</a:t>
             </a:r>
-            <a:endParaRPr lang="en-US" altLang="zh-CN" sz="3600"/>
           </a:p>
         </p:txBody>
       </p:sp>
@@ -12047,12 +11885,12 @@
           <a:bodyPr wrap="square" rtlCol="0">
             <a:noAutofit/>
           </a:bodyPr>
+          <a:lstStyle/>
           <a:p>
             <a:r>
               <a:rPr lang="en-US" altLang="zh-CN" sz="2800"/>
               <a:t>To Society:</a:t>
             </a:r>
-            <a:endParaRPr lang="en-US" altLang="zh-CN" sz="2800"/>
           </a:p>
           <a:p>
             <a:endParaRPr lang="en-US" altLang="zh-CN" sz="2800"/>
@@ -12062,7 +11900,6 @@
               <a:rPr lang="en-US" altLang="zh-CN" sz="2800"/>
               <a:t>AI models and data: new property</a:t>
             </a:r>
-            <a:endParaRPr lang="en-US" altLang="zh-CN" sz="2800"/>
           </a:p>
           <a:p>
             <a:endParaRPr lang="en-US" altLang="zh-CN" sz="2800"/>
@@ -12072,14 +11909,12 @@
               <a:rPr lang="en-US" altLang="zh-CN" sz="2800"/>
               <a:t>Vanishing old jobs: </a:t>
             </a:r>
-            <a:endParaRPr lang="en-US" altLang="zh-CN" sz="2800"/>
           </a:p>
           <a:p>
             <a:r>
               <a:rPr lang="en-US" altLang="zh-CN" sz="2800"/>
               <a:t>drawing, translation, article polishing</a:t>
             </a:r>
-            <a:endParaRPr lang="en-US" altLang="zh-CN" sz="2800"/>
           </a:p>
           <a:p>
             <a:endParaRPr lang="en-US" altLang="zh-CN" sz="2800"/>
@@ -12089,14 +11924,12 @@
               <a:rPr lang="en-US" altLang="zh-CN" sz="2800"/>
               <a:t>Emerging New jobs: </a:t>
             </a:r>
-            <a:endParaRPr lang="en-US" altLang="zh-CN" sz="2800"/>
           </a:p>
           <a:p>
             <a:r>
               <a:rPr lang="en-US" altLang="zh-CN" sz="2800"/>
               <a:t>data labeling</a:t>
             </a:r>
-            <a:endParaRPr lang="en-US" altLang="zh-CN" sz="2800"/>
           </a:p>
           <a:p>
             <a:endParaRPr lang="en-US" altLang="zh-CN" sz="2800"/>
@@ -12106,7 +11939,6 @@
               <a:rPr lang="en-US" altLang="zh-CN" sz="2800"/>
               <a:t>less repetitive work and more creativity</a:t>
             </a:r>
-            <a:endParaRPr lang="en-US" altLang="zh-CN" sz="2800"/>
           </a:p>
           <a:p>
             <a:endParaRPr lang="en-US" altLang="zh-CN" sz="2800"/>
@@ -12121,13 +11953,6 @@
   <p:transition spd="med">
     <p:fade/>
   </p:transition>
-  <p:timing>
-    <p:tnLst>
-      <p:par>
-        <p:cTn id="1" dur="indefinite" restart="never" nodeType="tmRoot"/>
-      </p:par>
-    </p:tnLst>
-  </p:timing>
 </p:sld>
 </file>
 
@@ -12157,11 +11982,11 @@
           <p:nvPr/>
         </p:nvPicPr>
         <p:blipFill>
-          <a:blip r:embed="rId1" cstate="screen">
+          <a:blip r:embed="rId3" cstate="screen">
             <a:extLst>
               <a:ext uri="{BEBA8EAE-BF5A-486C-A8C5-ECC9F3942E4B}">
                 <a14:imgProps xmlns:a14="http://schemas.microsoft.com/office/drawing/2010/main">
-                  <a14:imgLayer r:embed="rId2">
+                  <a14:imgLayer r:embed="rId4">
                     <a14:imgEffect>
                       <a14:saturation sat="200000"/>
                     </a14:imgEffect>
@@ -12193,7 +12018,7 @@
           <p:nvPr/>
         </p:nvPicPr>
         <p:blipFill>
-          <a:blip r:embed="rId3" cstate="print">
+          <a:blip r:embed="rId5" cstate="print">
             <a:extLst>
               <a:ext uri="{28A0092B-C50C-407E-A947-70E740481C1C}">
                 <a14:useLocalDpi xmlns:a14="http://schemas.microsoft.com/office/drawing/2010/main" val="0"/>
@@ -12234,7 +12059,7 @@
           <p:nvPr/>
         </p:nvPicPr>
         <p:blipFill>
-          <a:blip r:embed="rId4" cstate="print">
+          <a:blip r:embed="rId6" cstate="print">
             <a:clrChange>
               <a:clrFrom>
                 <a:srgbClr val="FEFEFE"/>
@@ -12282,6 +12107,7 @@
           <a:p>
             <a:fld id="{49AE70B2-8BF9-45C0-BB95-33D1B9D3A854}" type="slidenum">
               <a:rPr lang="zh-CN" altLang="en-US" smtClean="0"/>
+              <a:t>28</a:t>
             </a:fld>
             <a:endParaRPr lang="zh-CN" altLang="en-US"/>
           </a:p>
@@ -12352,12 +12178,12 @@
           <a:bodyPr wrap="square" rtlCol="0">
             <a:noAutofit/>
           </a:bodyPr>
+          <a:lstStyle/>
           <a:p>
             <a:r>
               <a:rPr lang="en-US" altLang="zh-CN" sz="3600"/>
               <a:t>Thanks for your Listening!</a:t>
             </a:r>
-            <a:endParaRPr lang="en-US" altLang="zh-CN" sz="3600"/>
           </a:p>
           <a:p>
             <a:endParaRPr lang="en-US" altLang="zh-CN" sz="3600"/>
@@ -12370,7 +12196,6 @@
               <a:rPr lang="en-US" altLang="zh-CN" sz="3600"/>
               <a:t>We’re almost over, but let’s take a look at some resources!</a:t>
             </a:r>
-            <a:endParaRPr lang="en-US" altLang="zh-CN" sz="3600"/>
           </a:p>
         </p:txBody>
       </p:sp>
@@ -12382,13 +12207,6 @@
   <p:transition spd="med">
     <p:fade/>
   </p:transition>
-  <p:timing>
-    <p:tnLst>
-      <p:par>
-        <p:cTn id="1" dur="indefinite" restart="never" nodeType="tmRoot"/>
-      </p:par>
-    </p:tnLst>
-  </p:timing>
 </p:sld>
 </file>
 
@@ -12418,11 +12236,11 @@
           <p:nvPr/>
         </p:nvPicPr>
         <p:blipFill>
-          <a:blip r:embed="rId1" cstate="screen">
+          <a:blip r:embed="rId3" cstate="screen">
             <a:extLst>
               <a:ext uri="{BEBA8EAE-BF5A-486C-A8C5-ECC9F3942E4B}">
                 <a14:imgProps xmlns:a14="http://schemas.microsoft.com/office/drawing/2010/main">
-                  <a14:imgLayer r:embed="rId2">
+                  <a14:imgLayer r:embed="rId4">
                     <a14:imgEffect>
                       <a14:saturation sat="200000"/>
                     </a14:imgEffect>
@@ -12454,7 +12272,7 @@
           <p:nvPr/>
         </p:nvPicPr>
         <p:blipFill>
-          <a:blip r:embed="rId3" cstate="print">
+          <a:blip r:embed="rId5" cstate="print">
             <a:extLst>
               <a:ext uri="{28A0092B-C50C-407E-A947-70E740481C1C}">
                 <a14:useLocalDpi xmlns:a14="http://schemas.microsoft.com/office/drawing/2010/main" val="0"/>
@@ -12495,7 +12313,7 @@
           <p:nvPr/>
         </p:nvPicPr>
         <p:blipFill>
-          <a:blip r:embed="rId4" cstate="print">
+          <a:blip r:embed="rId6" cstate="print">
             <a:clrChange>
               <a:clrFrom>
                 <a:srgbClr val="FEFEFE"/>
@@ -12543,6 +12361,7 @@
           <a:p>
             <a:fld id="{49AE70B2-8BF9-45C0-BB95-33D1B9D3A854}" type="slidenum">
               <a:rPr lang="zh-CN" altLang="en-US" smtClean="0"/>
+              <a:t>29</a:t>
             </a:fld>
             <a:endParaRPr lang="zh-CN" altLang="en-US"/>
           </a:p>
@@ -12613,12 +12432,12 @@
           <a:bodyPr wrap="square" rtlCol="0">
             <a:spAutoFit/>
           </a:bodyPr>
+          <a:lstStyle/>
           <a:p>
             <a:r>
               <a:rPr lang="en-US" altLang="zh-CN" sz="3600"/>
               <a:t>If you’re interested in AI</a:t>
             </a:r>
-            <a:endParaRPr lang="en-US" altLang="zh-CN" sz="3600"/>
           </a:p>
         </p:txBody>
       </p:sp>
@@ -12642,19 +12461,18 @@
           <a:bodyPr wrap="square" rtlCol="0">
             <a:noAutofit/>
           </a:bodyPr>
+          <a:lstStyle/>
           <a:p>
             <a:r>
               <a:rPr lang="en-US" altLang="zh-CN" sz="2400"/>
               <a:t>https://yzhu.io/s/research/getting_started/</a:t>
             </a:r>
-            <a:endParaRPr lang="en-US" altLang="zh-CN" sz="2400"/>
           </a:p>
           <a:p>
             <a:r>
               <a:rPr lang="en-US" altLang="zh-CN" sz="2400"/>
               <a:t>帮你自学大学四年AI的所有内容</a:t>
             </a:r>
-            <a:endParaRPr lang="en-US" altLang="zh-CN" sz="2400"/>
           </a:p>
           <a:p>
             <a:endParaRPr lang="en-US" altLang="zh-CN" sz="2400"/>
@@ -12685,14 +12503,12 @@
               <a:rPr lang="en-US" altLang="zh-CN" sz="2400"/>
               <a:t>https://csrankings.org/</a:t>
             </a:r>
-            <a:endParaRPr lang="en-US" altLang="zh-CN" sz="2400"/>
           </a:p>
           <a:p>
             <a:r>
               <a:rPr lang="en-US" altLang="zh-CN" sz="2400"/>
               <a:t>A good resource to know who are active in CS areas</a:t>
             </a:r>
-            <a:endParaRPr lang="en-US" altLang="zh-CN" sz="2400"/>
           </a:p>
           <a:p>
             <a:endParaRPr lang="en-US" altLang="zh-CN" sz="2400"/>
@@ -12702,14 +12518,12 @@
               <a:rPr lang="en-US" altLang="zh-CN" sz="2400"/>
               <a:t>Youtube: </a:t>
             </a:r>
-            <a:endParaRPr lang="en-US" altLang="zh-CN" sz="2400"/>
           </a:p>
           <a:p>
             <a:r>
               <a:rPr lang="en-US" altLang="zh-CN" sz="2400"/>
               <a:t>Tutorials from AI conferences</a:t>
             </a:r>
-            <a:endParaRPr lang="en-US" altLang="zh-CN" sz="2400"/>
           </a:p>
           <a:p>
             <a:endParaRPr lang="en-US" altLang="zh-CN" sz="2400"/>
@@ -12730,13 +12544,6 @@
   <p:transition spd="med">
     <p:fade/>
   </p:transition>
-  <p:timing>
-    <p:tnLst>
-      <p:par>
-        <p:cTn id="1" dur="indefinite" restart="never" nodeType="tmRoot"/>
-      </p:par>
-    </p:tnLst>
-  </p:timing>
 </p:sld>
 </file>
 
@@ -12766,11 +12573,11 @@
           <p:nvPr/>
         </p:nvPicPr>
         <p:blipFill>
-          <a:blip r:embed="rId1" cstate="screen">
+          <a:blip r:embed="rId3" cstate="screen">
             <a:extLst>
               <a:ext uri="{BEBA8EAE-BF5A-486C-A8C5-ECC9F3942E4B}">
                 <a14:imgProps xmlns:a14="http://schemas.microsoft.com/office/drawing/2010/main">
-                  <a14:imgLayer r:embed="rId2">
+                  <a14:imgLayer r:embed="rId4">
                     <a14:imgEffect>
                       <a14:saturation sat="200000"/>
                     </a14:imgEffect>
@@ -12802,7 +12609,7 @@
           <p:nvPr/>
         </p:nvPicPr>
         <p:blipFill>
-          <a:blip r:embed="rId3" cstate="print">
+          <a:blip r:embed="rId5" cstate="print">
             <a:extLst>
               <a:ext uri="{28A0092B-C50C-407E-A947-70E740481C1C}">
                 <a14:useLocalDpi xmlns:a14="http://schemas.microsoft.com/office/drawing/2010/main" val="0"/>
@@ -12843,7 +12650,7 @@
           <p:nvPr/>
         </p:nvPicPr>
         <p:blipFill>
-          <a:blip r:embed="rId4" cstate="print">
+          <a:blip r:embed="rId6" cstate="print">
             <a:clrChange>
               <a:clrFrom>
                 <a:srgbClr val="FEFEFE"/>
@@ -12891,6 +12698,7 @@
           <a:p>
             <a:fld id="{49AE70B2-8BF9-45C0-BB95-33D1B9D3A854}" type="slidenum">
               <a:rPr lang="zh-CN" altLang="en-US" smtClean="0"/>
+              <a:t>3</a:t>
             </a:fld>
             <a:endParaRPr lang="zh-CN" altLang="en-US"/>
           </a:p>
@@ -12986,7 +12794,6 @@
               <a:rPr lang="en-US" altLang="zh-CN" sz="4000"/>
               <a:t>How much cost shall we need?</a:t>
             </a:r>
-            <a:endParaRPr lang="en-US" altLang="zh-CN" sz="4000"/>
           </a:p>
         </p:txBody>
       </p:sp>
@@ -13010,12 +12817,12 @@
           <a:bodyPr wrap="square" rtlCol="0">
             <a:spAutoFit/>
           </a:bodyPr>
+          <a:lstStyle/>
           <a:p>
             <a:r>
               <a:rPr lang="en-US" altLang="zh-CN" sz="2800"/>
               <a:t>BERT: 3.3 Billion Words</a:t>
             </a:r>
-            <a:endParaRPr lang="en-US" altLang="zh-CN" sz="2800"/>
           </a:p>
           <a:p>
             <a:endParaRPr lang="en-US" altLang="zh-CN" sz="2800"/>
@@ -13069,9 +12876,6 @@
               </a:rPr>
               <a:t>￥</a:t>
             </a:r>
-            <a:endParaRPr lang="zh-CN" altLang="en-US" sz="2800">
-              <a:sym typeface="+mn-ea"/>
-            </a:endParaRPr>
           </a:p>
           <a:p>
             <a:endParaRPr lang="zh-CN" altLang="en-US" sz="2800">
@@ -13093,13 +12897,6 @@
   <p:transition spd="med">
     <p:fade/>
   </p:transition>
-  <p:timing>
-    <p:tnLst>
-      <p:par>
-        <p:cTn id="1" dur="indefinite" restart="never" nodeType="tmRoot"/>
-      </p:par>
-    </p:tnLst>
-  </p:timing>
 </p:sld>
 </file>
 
@@ -13129,11 +12926,11 @@
           <p:nvPr/>
         </p:nvPicPr>
         <p:blipFill>
-          <a:blip r:embed="rId1" cstate="screen">
+          <a:blip r:embed="rId3" cstate="screen">
             <a:extLst>
               <a:ext uri="{BEBA8EAE-BF5A-486C-A8C5-ECC9F3942E4B}">
                 <a14:imgProps xmlns:a14="http://schemas.microsoft.com/office/drawing/2010/main">
-                  <a14:imgLayer r:embed="rId2">
+                  <a14:imgLayer r:embed="rId4">
                     <a14:imgEffect>
                       <a14:saturation sat="200000"/>
                     </a14:imgEffect>
@@ -13338,7 +13135,7 @@
           <p:nvPr/>
         </p:nvPicPr>
         <p:blipFill>
-          <a:blip r:embed="rId3" cstate="print">
+          <a:blip r:embed="rId5" cstate="print">
             <a:extLst>
               <a:ext uri="{28A0092B-C50C-407E-A947-70E740481C1C}">
                 <a14:useLocalDpi xmlns:a14="http://schemas.microsoft.com/office/drawing/2010/main" val="0"/>
@@ -13379,7 +13176,7 @@
           <p:nvPr/>
         </p:nvPicPr>
         <p:blipFill>
-          <a:blip r:embed="rId4" cstate="print">
+          <a:blip r:embed="rId6" cstate="print">
             <a:clrChange>
               <a:clrFrom>
                 <a:srgbClr val="FEFEFE"/>
@@ -13427,6 +13224,7 @@
           <a:p>
             <a:fld id="{49AE70B2-8BF9-45C0-BB95-33D1B9D3A854}" type="slidenum">
               <a:rPr lang="zh-CN" altLang="en-US" smtClean="0"/>
+              <a:t>30</a:t>
             </a:fld>
             <a:endParaRPr lang="zh-CN" altLang="en-US"/>
           </a:p>
@@ -13487,30 +13285,6 @@
           </a:p>
         </p:txBody>
       </p:sp>
-      <p:pic>
-        <p:nvPicPr>
-          <p:cNvPr id="8" name="图片 7"/>
-          <p:cNvPicPr>
-            <a:picLocks noChangeAspect="1"/>
-          </p:cNvPicPr>
-          <p:nvPr/>
-        </p:nvPicPr>
-        <p:blipFill>
-          <a:blip r:embed="rId5"/>
-          <a:stretch>
-            <a:fillRect/>
-          </a:stretch>
-        </p:blipFill>
-        <p:spPr>
-          <a:xfrm>
-            <a:off x="8122920" y="2049780"/>
-            <a:ext cx="2545080" cy="3215640"/>
-          </a:xfrm>
-          <a:prstGeom prst="rect">
-            <a:avLst/>
-          </a:prstGeom>
-        </p:spPr>
-      </p:pic>
       <p:sp>
         <p:nvSpPr>
           <p:cNvPr id="10" name="文本框 9"/>
@@ -13519,7 +13293,7 @@
         </p:nvSpPr>
         <p:spPr>
           <a:xfrm>
-            <a:off x="7653655" y="5358130"/>
+            <a:off x="4447967" y="4443081"/>
             <a:ext cx="4015105" cy="645160"/>
           </a:xfrm>
           <a:prstGeom prst="rect">
@@ -13531,19 +13305,18 @@
           <a:bodyPr wrap="square" rtlCol="0">
             <a:spAutoFit/>
           </a:bodyPr>
-          <a:p>
-            <a:r>
-              <a:rPr lang="en-US"/>
+          <a:lstStyle/>
+          <a:p>
+            <a:r>
+              <a:rPr lang="en-US" dirty="0"/>
               <a:t>Email: wangzihan0527@ruc.edu.cn</a:t>
             </a:r>
-            <a:endParaRPr lang="en-US"/>
-          </a:p>
-          <a:p>
-            <a:r>
-              <a:rPr lang="en-US"/>
+          </a:p>
+          <a:p>
+            <a:r>
+              <a:rPr lang="en-US" dirty="0"/>
               <a:t>Homepage: zihanwang314.github.io</a:t>
             </a:r>
-            <a:endParaRPr lang="en-US"/>
           </a:p>
         </p:txBody>
       </p:sp>
@@ -13584,11 +13357,11 @@
           <p:nvPr/>
         </p:nvPicPr>
         <p:blipFill>
-          <a:blip r:embed="rId1" cstate="screen">
+          <a:blip r:embed="rId3" cstate="screen">
             <a:extLst>
               <a:ext uri="{BEBA8EAE-BF5A-486C-A8C5-ECC9F3942E4B}">
                 <a14:imgProps xmlns:a14="http://schemas.microsoft.com/office/drawing/2010/main">
-                  <a14:imgLayer r:embed="rId2">
+                  <a14:imgLayer r:embed="rId4">
                     <a14:imgEffect>
                       <a14:saturation sat="200000"/>
                     </a14:imgEffect>
@@ -13620,7 +13393,7 @@
           <p:nvPr/>
         </p:nvPicPr>
         <p:blipFill>
-          <a:blip r:embed="rId3" cstate="print">
+          <a:blip r:embed="rId5" cstate="print">
             <a:extLst>
               <a:ext uri="{28A0092B-C50C-407E-A947-70E740481C1C}">
                 <a14:useLocalDpi xmlns:a14="http://schemas.microsoft.com/office/drawing/2010/main" val="0"/>
@@ -13661,7 +13434,7 @@
           <p:nvPr/>
         </p:nvPicPr>
         <p:blipFill>
-          <a:blip r:embed="rId4" cstate="print">
+          <a:blip r:embed="rId6" cstate="print">
             <a:clrChange>
               <a:clrFrom>
                 <a:srgbClr val="FEFEFE"/>
@@ -13709,6 +13482,7 @@
           <a:p>
             <a:fld id="{49AE70B2-8BF9-45C0-BB95-33D1B9D3A854}" type="slidenum">
               <a:rPr lang="zh-CN" altLang="en-US" smtClean="0"/>
+              <a:t>4</a:t>
             </a:fld>
             <a:endParaRPr lang="zh-CN" altLang="en-US"/>
           </a:p>
@@ -13804,7 +13578,6 @@
               <a:rPr lang="en-US" altLang="zh-CN" sz="3200"/>
               <a:t>Pretraining: An effective way to learn from unsupervised data</a:t>
             </a:r>
-            <a:endParaRPr lang="en-US" altLang="zh-CN" sz="3200"/>
           </a:p>
         </p:txBody>
       </p:sp>
@@ -13816,13 +13589,6 @@
   <p:transition spd="med">
     <p:fade/>
   </p:transition>
-  <p:timing>
-    <p:tnLst>
-      <p:par>
-        <p:cTn id="1" dur="indefinite" restart="never" nodeType="tmRoot"/>
-      </p:par>
-    </p:tnLst>
-  </p:timing>
 </p:sld>
 </file>
 
@@ -13852,11 +13618,11 @@
           <p:nvPr/>
         </p:nvPicPr>
         <p:blipFill>
-          <a:blip r:embed="rId1" cstate="screen">
+          <a:blip r:embed="rId3" cstate="screen">
             <a:extLst>
               <a:ext uri="{BEBA8EAE-BF5A-486C-A8C5-ECC9F3942E4B}">
                 <a14:imgProps xmlns:a14="http://schemas.microsoft.com/office/drawing/2010/main">
-                  <a14:imgLayer r:embed="rId2">
+                  <a14:imgLayer r:embed="rId4">
                     <a14:imgEffect>
                       <a14:saturation sat="200000"/>
                     </a14:imgEffect>
@@ -13888,7 +13654,7 @@
           <p:nvPr/>
         </p:nvPicPr>
         <p:blipFill>
-          <a:blip r:embed="rId3" cstate="print">
+          <a:blip r:embed="rId5" cstate="print">
             <a:extLst>
               <a:ext uri="{28A0092B-C50C-407E-A947-70E740481C1C}">
                 <a14:useLocalDpi xmlns:a14="http://schemas.microsoft.com/office/drawing/2010/main" val="0"/>
@@ -13929,7 +13695,7 @@
           <p:nvPr/>
         </p:nvPicPr>
         <p:blipFill>
-          <a:blip r:embed="rId4" cstate="print">
+          <a:blip r:embed="rId6" cstate="print">
             <a:clrChange>
               <a:clrFrom>
                 <a:srgbClr val="FEFEFE"/>
@@ -13977,6 +13743,7 @@
           <a:p>
             <a:fld id="{49AE70B2-8BF9-45C0-BB95-33D1B9D3A854}" type="slidenum">
               <a:rPr lang="zh-CN" altLang="en-US" smtClean="0"/>
+              <a:t>5</a:t>
             </a:fld>
             <a:endParaRPr lang="zh-CN" altLang="en-US"/>
           </a:p>
@@ -14072,123 +13839,12 @@
               <a:rPr lang="en-US" altLang="zh-CN" sz="4000"/>
               <a:t>What task is applicable for pre-training?</a:t>
             </a:r>
-            <a:endParaRPr lang="en-US" altLang="zh-CN" sz="4000"/>
           </a:p>
         </p:txBody>
       </p:sp>
       <p:pic>
         <p:nvPicPr>
           <p:cNvPr id="4" name="图片 3"/>
-          <p:cNvPicPr>
-            <a:picLocks noChangeAspect="1"/>
-          </p:cNvPicPr>
-          <p:nvPr/>
-        </p:nvPicPr>
-        <p:blipFill>
-          <a:blip r:embed="rId5"/>
-          <a:stretch>
-            <a:fillRect/>
-          </a:stretch>
-        </p:blipFill>
-        <p:spPr>
-          <a:xfrm>
-            <a:off x="0" y="2330450"/>
-            <a:ext cx="3992880" cy="2336165"/>
-          </a:xfrm>
-          <a:prstGeom prst="rect">
-            <a:avLst/>
-          </a:prstGeom>
-        </p:spPr>
-      </p:pic>
-      <p:sp>
-        <p:nvSpPr>
-          <p:cNvPr id="6" name="文本框 5"/>
-          <p:cNvSpPr txBox="1"/>
-          <p:nvPr/>
-        </p:nvSpPr>
-        <p:spPr>
-          <a:xfrm>
-            <a:off x="595630" y="4939030"/>
-            <a:ext cx="3047365" cy="368300"/>
-          </a:xfrm>
-          <a:prstGeom prst="rect">
-            <a:avLst/>
-          </a:prstGeom>
-          <a:noFill/>
-        </p:spPr>
-        <p:txBody>
-          <a:bodyPr wrap="square" rtlCol="0">
-            <a:spAutoFit/>
-          </a:bodyPr>
-          <a:p>
-            <a:r>
-              <a:rPr lang="en-US" altLang="zh-CN" dirty="0">
-                <a:sym typeface="+mn-ea"/>
-              </a:rPr>
-              <a:t>Natural Language Processing</a:t>
-            </a:r>
-            <a:endParaRPr lang="en-US" altLang="zh-CN" dirty="0"/>
-          </a:p>
-        </p:txBody>
-      </p:sp>
-      <p:pic>
-        <p:nvPicPr>
-          <p:cNvPr id="7" name="图片 6"/>
-          <p:cNvPicPr>
-            <a:picLocks noChangeAspect="1"/>
-          </p:cNvPicPr>
-          <p:nvPr/>
-        </p:nvPicPr>
-        <p:blipFill>
-          <a:blip r:embed="rId6"/>
-          <a:stretch>
-            <a:fillRect/>
-          </a:stretch>
-        </p:blipFill>
-        <p:spPr>
-          <a:xfrm>
-            <a:off x="4145280" y="2489835"/>
-            <a:ext cx="3907790" cy="2177415"/>
-          </a:xfrm>
-          <a:prstGeom prst="rect">
-            <a:avLst/>
-          </a:prstGeom>
-        </p:spPr>
-      </p:pic>
-      <p:sp>
-        <p:nvSpPr>
-          <p:cNvPr id="8" name="文本框 7"/>
-          <p:cNvSpPr txBox="1"/>
-          <p:nvPr/>
-        </p:nvSpPr>
-        <p:spPr>
-          <a:xfrm>
-            <a:off x="5135245" y="4939030"/>
-            <a:ext cx="1750060" cy="368300"/>
-          </a:xfrm>
-          <a:prstGeom prst="rect">
-            <a:avLst/>
-          </a:prstGeom>
-          <a:noFill/>
-        </p:spPr>
-        <p:txBody>
-          <a:bodyPr wrap="square" rtlCol="0">
-            <a:spAutoFit/>
-          </a:bodyPr>
-          <a:p>
-            <a:r>
-              <a:rPr lang="en-US" altLang="zh-CN" dirty="0">
-                <a:sym typeface="+mn-ea"/>
-              </a:rPr>
-              <a:t>Computer Vision</a:t>
-            </a:r>
-            <a:endParaRPr lang="en-US" altLang="zh-CN" dirty="0"/>
-          </a:p>
-        </p:txBody>
-      </p:sp>
-      <p:pic>
-        <p:nvPicPr>
-          <p:cNvPr id="10" name="图片 9"/>
           <p:cNvPicPr>
             <a:picLocks noChangeAspect="1"/>
           </p:cNvPicPr>
@@ -14202,8 +13858,8 @@
         </p:blipFill>
         <p:spPr>
           <a:xfrm>
-            <a:off x="8832215" y="2489835"/>
-            <a:ext cx="2299335" cy="2257425"/>
+            <a:off x="0" y="2330450"/>
+            <a:ext cx="3992880" cy="2336165"/>
           </a:xfrm>
           <a:prstGeom prst="rect">
             <a:avLst/>
@@ -14212,14 +13868,14 @@
       </p:pic>
       <p:sp>
         <p:nvSpPr>
-          <p:cNvPr id="11" name="文本框 10"/>
+          <p:cNvPr id="6" name="文本框 5"/>
           <p:cNvSpPr txBox="1"/>
           <p:nvPr/>
         </p:nvSpPr>
         <p:spPr>
           <a:xfrm>
-            <a:off x="8854440" y="4939030"/>
-            <a:ext cx="2520950" cy="368300"/>
+            <a:off x="595630" y="4939030"/>
+            <a:ext cx="3047365" cy="368300"/>
           </a:xfrm>
           <a:prstGeom prst="rect">
             <a:avLst/>
@@ -14230,6 +13886,119 @@
           <a:bodyPr wrap="square" rtlCol="0">
             <a:spAutoFit/>
           </a:bodyPr>
+          <a:lstStyle/>
+          <a:p>
+            <a:r>
+              <a:rPr lang="en-US" altLang="zh-CN" dirty="0">
+                <a:sym typeface="+mn-ea"/>
+              </a:rPr>
+              <a:t>Natural Language Processing</a:t>
+            </a:r>
+            <a:endParaRPr lang="en-US" altLang="zh-CN" dirty="0"/>
+          </a:p>
+        </p:txBody>
+      </p:sp>
+      <p:pic>
+        <p:nvPicPr>
+          <p:cNvPr id="7" name="图片 6"/>
+          <p:cNvPicPr>
+            <a:picLocks noChangeAspect="1"/>
+          </p:cNvPicPr>
+          <p:nvPr/>
+        </p:nvPicPr>
+        <p:blipFill>
+          <a:blip r:embed="rId8"/>
+          <a:stretch>
+            <a:fillRect/>
+          </a:stretch>
+        </p:blipFill>
+        <p:spPr>
+          <a:xfrm>
+            <a:off x="4145280" y="2489835"/>
+            <a:ext cx="3907790" cy="2177415"/>
+          </a:xfrm>
+          <a:prstGeom prst="rect">
+            <a:avLst/>
+          </a:prstGeom>
+        </p:spPr>
+      </p:pic>
+      <p:sp>
+        <p:nvSpPr>
+          <p:cNvPr id="8" name="文本框 7"/>
+          <p:cNvSpPr txBox="1"/>
+          <p:nvPr/>
+        </p:nvSpPr>
+        <p:spPr>
+          <a:xfrm>
+            <a:off x="5135245" y="4939030"/>
+            <a:ext cx="1750060" cy="368300"/>
+          </a:xfrm>
+          <a:prstGeom prst="rect">
+            <a:avLst/>
+          </a:prstGeom>
+          <a:noFill/>
+        </p:spPr>
+        <p:txBody>
+          <a:bodyPr wrap="square" rtlCol="0">
+            <a:spAutoFit/>
+          </a:bodyPr>
+          <a:lstStyle/>
+          <a:p>
+            <a:r>
+              <a:rPr lang="en-US" altLang="zh-CN" dirty="0">
+                <a:sym typeface="+mn-ea"/>
+              </a:rPr>
+              <a:t>Computer Vision</a:t>
+            </a:r>
+            <a:endParaRPr lang="en-US" altLang="zh-CN" dirty="0"/>
+          </a:p>
+        </p:txBody>
+      </p:sp>
+      <p:pic>
+        <p:nvPicPr>
+          <p:cNvPr id="10" name="图片 9"/>
+          <p:cNvPicPr>
+            <a:picLocks noChangeAspect="1"/>
+          </p:cNvPicPr>
+          <p:nvPr/>
+        </p:nvPicPr>
+        <p:blipFill>
+          <a:blip r:embed="rId9"/>
+          <a:stretch>
+            <a:fillRect/>
+          </a:stretch>
+        </p:blipFill>
+        <p:spPr>
+          <a:xfrm>
+            <a:off x="8832215" y="2489835"/>
+            <a:ext cx="2299335" cy="2257425"/>
+          </a:xfrm>
+          <a:prstGeom prst="rect">
+            <a:avLst/>
+          </a:prstGeom>
+        </p:spPr>
+      </p:pic>
+      <p:sp>
+        <p:nvSpPr>
+          <p:cNvPr id="11" name="文本框 10"/>
+          <p:cNvSpPr txBox="1"/>
+          <p:nvPr/>
+        </p:nvSpPr>
+        <p:spPr>
+          <a:xfrm>
+            <a:off x="8854440" y="4939030"/>
+            <a:ext cx="2520950" cy="368300"/>
+          </a:xfrm>
+          <a:prstGeom prst="rect">
+            <a:avLst/>
+          </a:prstGeom>
+          <a:noFill/>
+        </p:spPr>
+        <p:txBody>
+          <a:bodyPr wrap="square" rtlCol="0">
+            <a:spAutoFit/>
+          </a:bodyPr>
+          <a:lstStyle/>
           <a:p>
             <a:r>
               <a:rPr lang="en-US" altLang="zh-CN" dirty="0">
@@ -14249,13 +14018,6 @@
   <p:transition spd="med">
     <p:fade/>
   </p:transition>
-  <p:timing>
-    <p:tnLst>
-      <p:par>
-        <p:cTn id="1" dur="indefinite" restart="never" nodeType="tmRoot"/>
-      </p:par>
-    </p:tnLst>
-  </p:timing>
 </p:sld>
 </file>
 
@@ -14285,11 +14047,11 @@
           <p:nvPr/>
         </p:nvPicPr>
         <p:blipFill>
-          <a:blip r:embed="rId1" cstate="screen">
+          <a:blip r:embed="rId3" cstate="screen">
             <a:extLst>
               <a:ext uri="{BEBA8EAE-BF5A-486C-A8C5-ECC9F3942E4B}">
                 <a14:imgProps xmlns:a14="http://schemas.microsoft.com/office/drawing/2010/main">
-                  <a14:imgLayer r:embed="rId2">
+                  <a14:imgLayer r:embed="rId4">
                     <a14:imgEffect>
                       <a14:saturation sat="200000"/>
                     </a14:imgEffect>
@@ -14321,7 +14083,7 @@
           <p:nvPr/>
         </p:nvPicPr>
         <p:blipFill>
-          <a:blip r:embed="rId3" cstate="print">
+          <a:blip r:embed="rId5" cstate="print">
             <a:extLst>
               <a:ext uri="{28A0092B-C50C-407E-A947-70E740481C1C}">
                 <a14:useLocalDpi xmlns:a14="http://schemas.microsoft.com/office/drawing/2010/main" val="0"/>
@@ -14362,7 +14124,7 @@
           <p:nvPr/>
         </p:nvPicPr>
         <p:blipFill>
-          <a:blip r:embed="rId4" cstate="print">
+          <a:blip r:embed="rId6" cstate="print">
             <a:clrChange>
               <a:clrFrom>
                 <a:srgbClr val="FEFEFE"/>
@@ -14410,6 +14172,7 @@
           <a:p>
             <a:fld id="{49AE70B2-8BF9-45C0-BB95-33D1B9D3A854}" type="slidenum">
               <a:rPr lang="zh-CN" altLang="en-US" smtClean="0"/>
+              <a:t>6</a:t>
             </a:fld>
             <a:endParaRPr lang="zh-CN" altLang="en-US"/>
           </a:p>
@@ -14505,7 +14268,6 @@
               <a:rPr lang="en-US" altLang="zh-CN" sz="4000"/>
               <a:t>What task is applicable for pre-training?</a:t>
             </a:r>
-            <a:endParaRPr lang="en-US" altLang="zh-CN" sz="4000"/>
           </a:p>
         </p:txBody>
       </p:sp>
@@ -14529,6 +14291,7 @@
           <a:bodyPr wrap="square" rtlCol="0">
             <a:noAutofit/>
           </a:bodyPr>
+          <a:lstStyle/>
           <a:p>
             <a:r>
               <a:rPr lang="en-US" altLang="zh-CN" sz="2800">
@@ -14536,9 +14299,6 @@
               </a:rPr>
               <a:t>Features:</a:t>
             </a:r>
-            <a:endParaRPr lang="en-US" altLang="zh-CN" sz="2800">
-              <a:sym typeface="+mn-ea"/>
-            </a:endParaRPr>
           </a:p>
           <a:p>
             <a:endParaRPr lang="en-US" altLang="zh-CN" sz="2800">
@@ -14552,9 +14312,6 @@
               </a:rPr>
               <a:t>· Massive Data</a:t>
             </a:r>
-            <a:endParaRPr lang="en-US" altLang="zh-CN" sz="2800">
-              <a:sym typeface="+mn-ea"/>
-            </a:endParaRPr>
           </a:p>
           <a:p>
             <a:endParaRPr lang="en-US" altLang="zh-CN" sz="2800">
@@ -14568,9 +14325,6 @@
               </a:rPr>
               <a:t>· Scalable Algorithm</a:t>
             </a:r>
-            <a:endParaRPr lang="en-US" altLang="zh-CN" sz="2800">
-              <a:sym typeface="+mn-ea"/>
-            </a:endParaRPr>
           </a:p>
           <a:p>
             <a:endParaRPr lang="en-US" altLang="zh-CN" sz="2800">
@@ -14584,9 +14338,6 @@
               </a:rPr>
               <a:t>· Consistent Distribution</a:t>
             </a:r>
-            <a:endParaRPr lang="en-US" altLang="zh-CN" sz="2800">
-              <a:sym typeface="+mn-ea"/>
-            </a:endParaRPr>
           </a:p>
         </p:txBody>
       </p:sp>
@@ -14598,13 +14349,6 @@
   <p:transition spd="med">
     <p:fade/>
   </p:transition>
-  <p:timing>
-    <p:tnLst>
-      <p:par>
-        <p:cTn id="1" dur="indefinite" restart="never" nodeType="tmRoot"/>
-      </p:par>
-    </p:tnLst>
-  </p:timing>
 </p:sld>
 </file>
 
@@ -14634,11 +14378,11 @@
           <p:nvPr/>
         </p:nvPicPr>
         <p:blipFill>
-          <a:blip r:embed="rId1" cstate="screen">
+          <a:blip r:embed="rId3" cstate="screen">
             <a:extLst>
               <a:ext uri="{BEBA8EAE-BF5A-486C-A8C5-ECC9F3942E4B}">
                 <a14:imgProps xmlns:a14="http://schemas.microsoft.com/office/drawing/2010/main">
-                  <a14:imgLayer r:embed="rId2">
+                  <a14:imgLayer r:embed="rId4">
                     <a14:imgEffect>
                       <a14:saturation sat="200000"/>
                     </a14:imgEffect>
@@ -14670,7 +14414,7 @@
           <p:nvPr/>
         </p:nvPicPr>
         <p:blipFill>
-          <a:blip r:embed="rId3" cstate="print">
+          <a:blip r:embed="rId5" cstate="print">
             <a:extLst>
               <a:ext uri="{28A0092B-C50C-407E-A947-70E740481C1C}">
                 <a14:useLocalDpi xmlns:a14="http://schemas.microsoft.com/office/drawing/2010/main" val="0"/>
@@ -14711,7 +14455,7 @@
           <p:nvPr/>
         </p:nvPicPr>
         <p:blipFill>
-          <a:blip r:embed="rId4" cstate="print">
+          <a:blip r:embed="rId6" cstate="print">
             <a:clrChange>
               <a:clrFrom>
                 <a:srgbClr val="FEFEFE"/>
@@ -14759,6 +14503,7 @@
           <a:p>
             <a:fld id="{49AE70B2-8BF9-45C0-BB95-33D1B9D3A854}" type="slidenum">
               <a:rPr lang="zh-CN" altLang="en-US" smtClean="0"/>
+              <a:t>7</a:t>
             </a:fld>
             <a:endParaRPr lang="zh-CN" altLang="en-US"/>
           </a:p>
@@ -14854,7 +14599,6 @@
               <a:rPr lang="en-US" altLang="zh-CN" sz="4000"/>
               <a:t>Examples of Algorithms applicable for pre-training</a:t>
             </a:r>
-            <a:endParaRPr lang="en-US" altLang="zh-CN" sz="4000"/>
           </a:p>
         </p:txBody>
       </p:sp>
@@ -14878,12 +14622,12 @@
           <a:bodyPr wrap="square" rtlCol="0">
             <a:noAutofit/>
           </a:bodyPr>
+          <a:lstStyle/>
           <a:p>
             <a:r>
               <a:rPr lang="en-US" altLang="zh-CN" sz="2800"/>
               <a:t>Think of the following tasks and their formal representation:</a:t>
             </a:r>
-            <a:endParaRPr lang="en-US" altLang="zh-CN" sz="2800"/>
           </a:p>
           <a:p>
             <a:endParaRPr lang="en-US" altLang="zh-CN" sz="2800"/>
@@ -14893,7 +14637,6 @@
               <a:rPr lang="en-US" altLang="zh-CN" sz="2800"/>
               <a:t>· Sentence Correction (Denoising)</a:t>
             </a:r>
-            <a:endParaRPr lang="en-US" altLang="zh-CN" sz="2800"/>
           </a:p>
           <a:p>
             <a:endParaRPr lang="en-US" altLang="zh-CN" sz="2800"/>
@@ -14906,7 +14649,6 @@
               <a:rPr lang="en-US" altLang="zh-CN" sz="2800"/>
               <a:t>· Text Completion</a:t>
             </a:r>
-            <a:endParaRPr lang="en-US" altLang="zh-CN" sz="2800"/>
           </a:p>
           <a:p>
             <a:endParaRPr lang="en-US" altLang="zh-CN" sz="2800"/>
@@ -14919,7 +14661,6 @@
               <a:rPr lang="en-US" altLang="zh-CN" sz="2800"/>
               <a:t>· Text Translation</a:t>
             </a:r>
-            <a:endParaRPr lang="en-US" altLang="zh-CN" sz="2800"/>
           </a:p>
         </p:txBody>
       </p:sp>
@@ -14932,7 +14673,7 @@
           <p:nvPr/>
         </p:nvPicPr>
         <p:blipFill>
-          <a:blip r:embed="rId5"/>
+          <a:blip r:embed="rId7"/>
           <a:stretch>
             <a:fillRect/>
           </a:stretch>
@@ -14956,7 +14697,7 @@
           <p:nvPr/>
         </p:nvPicPr>
         <p:blipFill>
-          <a:blip r:embed="rId6"/>
+          <a:blip r:embed="rId8"/>
           <a:stretch>
             <a:fillRect/>
           </a:stretch>
@@ -14980,7 +14721,7 @@
           <p:nvPr/>
         </p:nvPicPr>
         <p:blipFill>
-          <a:blip r:embed="rId7"/>
+          <a:blip r:embed="rId9"/>
           <a:stretch>
             <a:fillRect/>
           </a:stretch>
@@ -15003,13 +14744,6 @@
   <p:transition spd="med">
     <p:fade/>
   </p:transition>
-  <p:timing>
-    <p:tnLst>
-      <p:par>
-        <p:cTn id="1" dur="indefinite" restart="never" nodeType="tmRoot"/>
-      </p:par>
-    </p:tnLst>
-  </p:timing>
 </p:sld>
 </file>
 
@@ -15039,11 +14773,11 @@
           <p:nvPr/>
         </p:nvPicPr>
         <p:blipFill>
-          <a:blip r:embed="rId1" cstate="screen">
+          <a:blip r:embed="rId3" cstate="screen">
             <a:extLst>
               <a:ext uri="{BEBA8EAE-BF5A-486C-A8C5-ECC9F3942E4B}">
                 <a14:imgProps xmlns:a14="http://schemas.microsoft.com/office/drawing/2010/main">
-                  <a14:imgLayer r:embed="rId2">
+                  <a14:imgLayer r:embed="rId4">
                     <a14:imgEffect>
                       <a14:saturation sat="200000"/>
                     </a14:imgEffect>
@@ -15075,7 +14809,7 @@
           <p:nvPr/>
         </p:nvPicPr>
         <p:blipFill>
-          <a:blip r:embed="rId3" cstate="print">
+          <a:blip r:embed="rId5" cstate="print">
             <a:extLst>
               <a:ext uri="{28A0092B-C50C-407E-A947-70E740481C1C}">
                 <a14:useLocalDpi xmlns:a14="http://schemas.microsoft.com/office/drawing/2010/main" val="0"/>
@@ -15116,7 +14850,7 @@
           <p:nvPr/>
         </p:nvPicPr>
         <p:blipFill>
-          <a:blip r:embed="rId4" cstate="print">
+          <a:blip r:embed="rId6" cstate="print">
             <a:clrChange>
               <a:clrFrom>
                 <a:srgbClr val="FEFEFE"/>
@@ -15164,6 +14898,7 @@
           <a:p>
             <a:fld id="{49AE70B2-8BF9-45C0-BB95-33D1B9D3A854}" type="slidenum">
               <a:rPr lang="zh-CN" altLang="en-US" smtClean="0"/>
+              <a:t>8</a:t>
             </a:fld>
             <a:endParaRPr lang="zh-CN" altLang="en-US"/>
           </a:p>
@@ -15234,12 +14969,12 @@
           <a:bodyPr wrap="square" rtlCol="0">
             <a:noAutofit/>
           </a:bodyPr>
+          <a:lstStyle/>
           <a:p>
             <a:r>
               <a:rPr lang="en-US" altLang="zh-CN" sz="2800"/>
               <a:t>Model structure for sentence correction?</a:t>
             </a:r>
-            <a:endParaRPr lang="en-US" altLang="zh-CN" sz="2800"/>
           </a:p>
           <a:p>
             <a:endParaRPr lang="en-US" altLang="zh-CN" sz="2800"/>
@@ -15261,7 +14996,7 @@
           <p:nvPr/>
         </p:nvPicPr>
         <p:blipFill>
-          <a:blip r:embed="rId5"/>
+          <a:blip r:embed="rId7"/>
           <a:stretch>
             <a:fillRect/>
           </a:stretch>
@@ -15296,12 +15031,12 @@
           <a:bodyPr wrap="square" rtlCol="0">
             <a:spAutoFit/>
           </a:bodyPr>
+          <a:lstStyle/>
           <a:p>
             <a:r>
               <a:rPr lang="en-US" altLang="zh-CN" sz="2800"/>
               <a:t>Encoder</a:t>
             </a:r>
-            <a:endParaRPr lang="en-US" altLang="zh-CN" sz="2800"/>
           </a:p>
         </p:txBody>
       </p:sp>
@@ -15313,13 +15048,6 @@
   <p:transition spd="med">
     <p:fade/>
   </p:transition>
-  <p:timing>
-    <p:tnLst>
-      <p:par>
-        <p:cTn id="1" dur="indefinite" restart="never" nodeType="tmRoot"/>
-      </p:par>
-    </p:tnLst>
-  </p:timing>
 </p:sld>
 </file>
 
@@ -15349,11 +15077,11 @@
           <p:nvPr/>
         </p:nvPicPr>
         <p:blipFill>
-          <a:blip r:embed="rId1" cstate="screen">
+          <a:blip r:embed="rId3" cstate="screen">
             <a:extLst>
               <a:ext uri="{BEBA8EAE-BF5A-486C-A8C5-ECC9F3942E4B}">
                 <a14:imgProps xmlns:a14="http://schemas.microsoft.com/office/drawing/2010/main">
-                  <a14:imgLayer r:embed="rId2">
+                  <a14:imgLayer r:embed="rId4">
                     <a14:imgEffect>
                       <a14:saturation sat="200000"/>
                     </a14:imgEffect>
@@ -15385,7 +15113,7 @@
           <p:nvPr/>
         </p:nvPicPr>
         <p:blipFill>
-          <a:blip r:embed="rId3" cstate="print">
+          <a:blip r:embed="rId5" cstate="print">
             <a:extLst>
               <a:ext uri="{28A0092B-C50C-407E-A947-70E740481C1C}">
                 <a14:useLocalDpi xmlns:a14="http://schemas.microsoft.com/office/drawing/2010/main" val="0"/>
@@ -15426,7 +15154,7 @@
           <p:nvPr/>
         </p:nvPicPr>
         <p:blipFill>
-          <a:blip r:embed="rId4" cstate="print">
+          <a:blip r:embed="rId6" cstate="print">
             <a:clrChange>
               <a:clrFrom>
                 <a:srgbClr val="FEFEFE"/>
@@ -15474,6 +15202,7 @@
           <a:p>
             <a:fld id="{49AE70B2-8BF9-45C0-BB95-33D1B9D3A854}" type="slidenum">
               <a:rPr lang="zh-CN" altLang="en-US" smtClean="0"/>
+              <a:t>9</a:t>
             </a:fld>
             <a:endParaRPr lang="zh-CN" altLang="en-US"/>
           </a:p>
@@ -15544,12 +15273,12 @@
           <a:bodyPr wrap="square" rtlCol="0">
             <a:noAutofit/>
           </a:bodyPr>
+          <a:lstStyle/>
           <a:p>
             <a:r>
               <a:rPr lang="en-US" altLang="zh-CN" sz="2800"/>
               <a:t>Model structure for text completion?</a:t>
             </a:r>
-            <a:endParaRPr lang="en-US" altLang="zh-CN" sz="2800"/>
           </a:p>
           <a:p>
             <a:endParaRPr lang="en-US" altLang="zh-CN" sz="2800"/>
@@ -15579,12 +15308,12 @@
           <a:bodyPr wrap="square" rtlCol="0">
             <a:spAutoFit/>
           </a:bodyPr>
+          <a:lstStyle/>
           <a:p>
             <a:r>
               <a:rPr lang="en-US" altLang="zh-CN" sz="2800"/>
               <a:t>Decoder</a:t>
             </a:r>
-            <a:endParaRPr lang="en-US" altLang="zh-CN" sz="2800"/>
           </a:p>
         </p:txBody>
       </p:sp>
@@ -15597,7 +15326,7 @@
           <p:nvPr/>
         </p:nvPicPr>
         <p:blipFill>
-          <a:blip r:embed="rId5"/>
+          <a:blip r:embed="rId7"/>
           <a:stretch>
             <a:fillRect/>
           </a:stretch>
@@ -15620,18 +15349,11 @@
   <p:transition spd="med">
     <p:fade/>
   </p:transition>
-  <p:timing>
-    <p:tnLst>
-      <p:par>
-        <p:cTn id="1" dur="indefinite" restart="never" nodeType="tmRoot"/>
-      </p:par>
-    </p:tnLst>
-  </p:timing>
 </p:sld>
 </file>
 
 <file path=ppt/tags/tag1.xml><?xml version="1.0" encoding="utf-8"?>
-<p:tagLst xmlns:p="http://schemas.openxmlformats.org/presentationml/2006/main">
+<p:tagLst xmlns:a="http://schemas.openxmlformats.org/drawingml/2006/main" xmlns:r="http://schemas.openxmlformats.org/officeDocument/2006/relationships" xmlns:p="http://schemas.openxmlformats.org/presentationml/2006/main">
   <p:tag name="COMMONDATA" val="eyJoZGlkIjoiYjBlYjVjZjdlZWI5ZmNiMjI2YTVjNjk2YzRjNDljNzIifQ=="/>
 </p:tagLst>
 </file>
@@ -15887,6 +15609,8 @@
       </a:bgFillStyleLst>
     </a:fmtScheme>
   </a:themeElements>
+  <a:objectDefaults/>
+  <a:extraClrSchemeLst/>
   <a:extLst>
     <a:ext uri="{05A4C25C-085E-4340-85A3-A5531E510DB2}">
       <thm15:themeFamily xmlns:thm15="http://schemas.microsoft.com/office/thememl/2012/main" name="Office Theme" id="{62F939B6-93AF-4DB8-9C6B-D6C7DFDC589F}" vid="{4A3C46E8-61CC-4603-A589-7422A47A8E4A}"/>
@@ -16146,6 +15870,8 @@
       </a:bgFillStyleLst>
     </a:fmtScheme>
   </a:themeElements>
+  <a:objectDefaults/>
+  <a:extraClrSchemeLst/>
   <a:extLst>
     <a:ext uri="{05A4C25C-085E-4340-85A3-A5531E510DB2}">
       <thm15:themeFamily xmlns:thm15="http://schemas.microsoft.com/office/thememl/2012/main" name="Office Theme" id="{62F939B6-93AF-4DB8-9C6B-D6C7DFDC589F}" vid="{4A3C46E8-61CC-4603-A589-7422A47A8E4A}"/>
